--- a/weekly_team_presentation/Gladiators week7.pptx
+++ b/weekly_team_presentation/Gladiators week7.pptx
@@ -20,24 +20,29 @@
     <p:sldId id="265" r:id="rId14"/>
     <p:sldId id="266" r:id="rId15"/>
     <p:sldId id="267" r:id="rId16"/>
+    <p:sldId id="268" r:id="rId17"/>
+    <p:sldId id="269" r:id="rId18"/>
+    <p:sldId id="270" r:id="rId19"/>
+    <p:sldId id="271" r:id="rId20"/>
+    <p:sldId id="272" r:id="rId21"/>
   </p:sldIdLst>
   <p:sldSz cy="5143500" cx="9144000"/>
   <p:notesSz cx="6858000" cy="9144000"/>
   <p:embeddedFontLst>
     <p:embeddedFont>
       <p:font typeface="Nixie One"/>
-      <p:regular r:id="rId17"/>
+      <p:regular r:id="rId22"/>
     </p:embeddedFont>
     <p:embeddedFont>
       <p:font typeface="Source Code Pro"/>
-      <p:regular r:id="rId18"/>
-      <p:bold r:id="rId19"/>
-      <p:italic r:id="rId20"/>
-      <p:boldItalic r:id="rId21"/>
+      <p:regular r:id="rId23"/>
+      <p:bold r:id="rId24"/>
+      <p:italic r:id="rId25"/>
+      <p:boldItalic r:id="rId26"/>
     </p:embeddedFont>
     <p:embeddedFont>
       <p:font typeface="Varela Round"/>
-      <p:regular r:id="rId22"/>
+      <p:regular r:id="rId27"/>
     </p:embeddedFont>
   </p:embeddedFontLst>
   <p:defaultTextStyle>
@@ -802,7 +807,7 @@
   <p:cSld>
     <p:spTree>
       <p:nvGrpSpPr>
-        <p:cNvPr id="264" name="Shape 264"/>
+        <p:cNvPr id="259" name="Shape 259"/>
         <p:cNvGrpSpPr/>
         <p:nvPr/>
       </p:nvGrpSpPr>
@@ -816,7 +821,7 @@
       </p:grpSpPr>
       <p:sp>
         <p:nvSpPr>
-          <p:cNvPr id="265" name="Google Shape;265;g35f391192_09:notes"/>
+          <p:cNvPr id="260" name="Google Shape;260;g217ff7fe1e9_0_16:notes"/>
           <p:cNvSpPr/>
           <p:nvPr>
             <p:ph idx="2" type="sldImg"/>
@@ -851,7 +856,7 @@
       </p:sp>
       <p:sp>
         <p:nvSpPr>
-          <p:cNvPr id="266" name="Google Shape;266;g35f391192_09:notes"/>
+          <p:cNvPr id="261" name="Google Shape;261;g217ff7fe1e9_0_16:notes"/>
           <p:cNvSpPr txBox="1"/>
           <p:nvPr>
             <p:ph idx="1" type="body"/>
@@ -901,7 +906,7 @@
   <p:cSld>
     <p:spTree>
       <p:nvGrpSpPr>
-        <p:cNvPr id="270" name="Shape 270"/>
+        <p:cNvPr id="265" name="Shape 265"/>
         <p:cNvGrpSpPr/>
         <p:nvPr/>
       </p:nvGrpSpPr>
@@ -915,7 +920,7 @@
       </p:grpSpPr>
       <p:sp>
         <p:nvSpPr>
-          <p:cNvPr id="271" name="Google Shape;271;g1f61722c111_0_42:notes"/>
+          <p:cNvPr id="266" name="Google Shape;266;g217ff7fe1e9_0_22:notes"/>
           <p:cNvSpPr/>
           <p:nvPr>
             <p:ph idx="2" type="sldImg"/>
@@ -950,7 +955,7 @@
       </p:sp>
       <p:sp>
         <p:nvSpPr>
-          <p:cNvPr id="272" name="Google Shape;272;g1f61722c111_0_42:notes"/>
+          <p:cNvPr id="267" name="Google Shape;267;g217ff7fe1e9_0_22:notes"/>
           <p:cNvSpPr txBox="1"/>
           <p:nvPr>
             <p:ph idx="1" type="body"/>
@@ -1000,7 +1005,7 @@
   <p:cSld>
     <p:spTree>
       <p:nvGrpSpPr>
-        <p:cNvPr id="276" name="Shape 276"/>
+        <p:cNvPr id="271" name="Shape 271"/>
         <p:cNvGrpSpPr/>
         <p:nvPr/>
       </p:nvGrpSpPr>
@@ -1014,7 +1019,7 @@
       </p:grpSpPr>
       <p:sp>
         <p:nvSpPr>
-          <p:cNvPr id="277" name="Google Shape;277;g35ed75ccf_022:notes"/>
+          <p:cNvPr id="272" name="Google Shape;272;g1f963932949_0_0:notes"/>
           <p:cNvSpPr/>
           <p:nvPr>
             <p:ph idx="2" type="sldImg"/>
@@ -1049,7 +1054,502 @@
       </p:sp>
       <p:sp>
         <p:nvSpPr>
-          <p:cNvPr id="278" name="Google Shape;278;g35ed75ccf_022:notes"/>
+          <p:cNvPr id="273" name="Google Shape;273;g1f963932949_0_0:notes"/>
+          <p:cNvSpPr txBox="1"/>
+          <p:nvPr>
+            <p:ph idx="1" type="body"/>
+          </p:nvPr>
+        </p:nvSpPr>
+        <p:spPr>
+          <a:xfrm>
+            <a:off x="685800" y="4343400"/>
+            <a:ext cx="5486400" cy="4114800"/>
+          </a:xfrm>
+          <a:prstGeom prst="rect">
+            <a:avLst/>
+          </a:prstGeom>
+        </p:spPr>
+        <p:txBody>
+          <a:bodyPr anchorCtr="0" anchor="t" bIns="91425" lIns="91425" spcFirstLastPara="1" rIns="91425" wrap="square" tIns="91425">
+            <a:noAutofit/>
+          </a:bodyPr>
+          <a:lstStyle/>
+          <a:p>
+            <a:pPr indent="0" lvl="0" marL="0" rtl="0" algn="l">
+              <a:spcBef>
+                <a:spcPts val="0"/>
+              </a:spcBef>
+              <a:spcAft>
+                <a:spcPts val="0"/>
+              </a:spcAft>
+              <a:buNone/>
+            </a:pPr>
+            <a:r>
+              <a:t/>
+            </a:r>
+            <a:endParaRPr/>
+          </a:p>
+        </p:txBody>
+      </p:sp>
+    </p:spTree>
+  </p:cSld>
+  <p:clrMapOvr>
+    <a:masterClrMapping/>
+  </p:clrMapOvr>
+</p:notes>
+</file>
+
+<file path=ppt/notesSlides/notesSlide13.xml><?xml version="1.0" encoding="utf-8"?>
+<p:notes xmlns:a="http://schemas.openxmlformats.org/drawingml/2006/main" xmlns:r="http://schemas.openxmlformats.org/officeDocument/2006/relationships" xmlns:mc="http://schemas.openxmlformats.org/markup-compatibility/2006" xmlns:mv="urn:schemas-microsoft-com:mac:vml" xmlns:p="http://schemas.openxmlformats.org/presentationml/2006/main" xmlns:c="http://schemas.openxmlformats.org/drawingml/2006/chart" xmlns:dgm="http://schemas.openxmlformats.org/drawingml/2006/diagram" xmlns:o="urn:schemas-microsoft-com:office:office" xmlns:v="urn:schemas-microsoft-com:vml" xmlns:pvml="urn:schemas-microsoft-com:office:powerpoint" xmlns:com="http://schemas.openxmlformats.org/drawingml/2006/compatibility" xmlns:p14="http://schemas.microsoft.com/office/powerpoint/2010/main" xmlns:p15="http://schemas.microsoft.com/office/powerpoint/2012/main" xmlns:ahyp="http://schemas.microsoft.com/office/drawing/2018/hyperlinkcolor" showMasterPhAnim="0" showMasterSp="0">
+  <p:cSld>
+    <p:spTree>
+      <p:nvGrpSpPr>
+        <p:cNvPr id="278" name="Shape 278"/>
+        <p:cNvGrpSpPr/>
+        <p:nvPr/>
+      </p:nvGrpSpPr>
+      <p:grpSpPr>
+        <a:xfrm>
+          <a:off x="0" y="0"/>
+          <a:ext cx="0" cy="0"/>
+          <a:chOff x="0" y="0"/>
+          <a:chExt cx="0" cy="0"/>
+        </a:xfrm>
+      </p:grpSpPr>
+      <p:sp>
+        <p:nvSpPr>
+          <p:cNvPr id="279" name="Google Shape;279;g1f963932949_0_6:notes"/>
+          <p:cNvSpPr/>
+          <p:nvPr>
+            <p:ph idx="2" type="sldImg"/>
+          </p:nvPr>
+        </p:nvSpPr>
+        <p:spPr>
+          <a:xfrm>
+            <a:off x="381175" y="685800"/>
+            <a:ext cx="6096300" cy="3429000"/>
+          </a:xfrm>
+          <a:custGeom>
+            <a:rect b="b" l="l" r="r" t="t"/>
+            <a:pathLst>
+              <a:path extrusionOk="0" h="120000" w="120000">
+                <a:moveTo>
+                  <a:pt x="0" y="0"/>
+                </a:moveTo>
+                <a:lnTo>
+                  <a:pt x="120000" y="0"/>
+                </a:lnTo>
+                <a:lnTo>
+                  <a:pt x="120000" y="120000"/>
+                </a:lnTo>
+                <a:lnTo>
+                  <a:pt x="0" y="120000"/>
+                </a:lnTo>
+                <a:close/>
+              </a:path>
+            </a:pathLst>
+          </a:custGeom>
+        </p:spPr>
+      </p:sp>
+      <p:sp>
+        <p:nvSpPr>
+          <p:cNvPr id="280" name="Google Shape;280;g1f963932949_0_6:notes"/>
+          <p:cNvSpPr txBox="1"/>
+          <p:nvPr>
+            <p:ph idx="1" type="body"/>
+          </p:nvPr>
+        </p:nvSpPr>
+        <p:spPr>
+          <a:xfrm>
+            <a:off x="685800" y="4343400"/>
+            <a:ext cx="5486400" cy="4114800"/>
+          </a:xfrm>
+          <a:prstGeom prst="rect">
+            <a:avLst/>
+          </a:prstGeom>
+        </p:spPr>
+        <p:txBody>
+          <a:bodyPr anchorCtr="0" anchor="t" bIns="91425" lIns="91425" spcFirstLastPara="1" rIns="91425" wrap="square" tIns="91425">
+            <a:noAutofit/>
+          </a:bodyPr>
+          <a:lstStyle/>
+          <a:p>
+            <a:pPr indent="0" lvl="0" marL="0" rtl="0" algn="l">
+              <a:spcBef>
+                <a:spcPts val="0"/>
+              </a:spcBef>
+              <a:spcAft>
+                <a:spcPts val="0"/>
+              </a:spcAft>
+              <a:buNone/>
+            </a:pPr>
+            <a:r>
+              <a:t/>
+            </a:r>
+            <a:endParaRPr/>
+          </a:p>
+        </p:txBody>
+      </p:sp>
+    </p:spTree>
+  </p:cSld>
+  <p:clrMapOvr>
+    <a:masterClrMapping/>
+  </p:clrMapOvr>
+</p:notes>
+</file>
+
+<file path=ppt/notesSlides/notesSlide14.xml><?xml version="1.0" encoding="utf-8"?>
+<p:notes xmlns:a="http://schemas.openxmlformats.org/drawingml/2006/main" xmlns:r="http://schemas.openxmlformats.org/officeDocument/2006/relationships" xmlns:mc="http://schemas.openxmlformats.org/markup-compatibility/2006" xmlns:mv="urn:schemas-microsoft-com:mac:vml" xmlns:p="http://schemas.openxmlformats.org/presentationml/2006/main" xmlns:c="http://schemas.openxmlformats.org/drawingml/2006/chart" xmlns:dgm="http://schemas.openxmlformats.org/drawingml/2006/diagram" xmlns:o="urn:schemas-microsoft-com:office:office" xmlns:v="urn:schemas-microsoft-com:vml" xmlns:pvml="urn:schemas-microsoft-com:office:powerpoint" xmlns:com="http://schemas.openxmlformats.org/drawingml/2006/compatibility" xmlns:p14="http://schemas.microsoft.com/office/powerpoint/2010/main" xmlns:p15="http://schemas.microsoft.com/office/powerpoint/2012/main" xmlns:ahyp="http://schemas.microsoft.com/office/drawing/2018/hyperlinkcolor" showMasterPhAnim="0" showMasterSp="0">
+  <p:cSld>
+    <p:spTree>
+      <p:nvGrpSpPr>
+        <p:cNvPr id="285" name="Shape 285"/>
+        <p:cNvGrpSpPr/>
+        <p:nvPr/>
+      </p:nvGrpSpPr>
+      <p:grpSpPr>
+        <a:xfrm>
+          <a:off x="0" y="0"/>
+          <a:ext cx="0" cy="0"/>
+          <a:chOff x="0" y="0"/>
+          <a:chExt cx="0" cy="0"/>
+        </a:xfrm>
+      </p:grpSpPr>
+      <p:sp>
+        <p:nvSpPr>
+          <p:cNvPr id="286" name="Google Shape;286;g35f391192_073:notes"/>
+          <p:cNvSpPr/>
+          <p:nvPr>
+            <p:ph idx="2" type="sldImg"/>
+          </p:nvPr>
+        </p:nvSpPr>
+        <p:spPr>
+          <a:xfrm>
+            <a:off x="381175" y="685800"/>
+            <a:ext cx="6096300" cy="3429000"/>
+          </a:xfrm>
+          <a:custGeom>
+            <a:rect b="b" l="l" r="r" t="t"/>
+            <a:pathLst>
+              <a:path extrusionOk="0" h="120000" w="120000">
+                <a:moveTo>
+                  <a:pt x="0" y="0"/>
+                </a:moveTo>
+                <a:lnTo>
+                  <a:pt x="120000" y="0"/>
+                </a:lnTo>
+                <a:lnTo>
+                  <a:pt x="120000" y="120000"/>
+                </a:lnTo>
+                <a:lnTo>
+                  <a:pt x="0" y="120000"/>
+                </a:lnTo>
+                <a:close/>
+              </a:path>
+            </a:pathLst>
+          </a:custGeom>
+        </p:spPr>
+      </p:sp>
+      <p:sp>
+        <p:nvSpPr>
+          <p:cNvPr id="287" name="Google Shape;287;g35f391192_073:notes"/>
+          <p:cNvSpPr txBox="1"/>
+          <p:nvPr>
+            <p:ph idx="1" type="body"/>
+          </p:nvPr>
+        </p:nvSpPr>
+        <p:spPr>
+          <a:xfrm>
+            <a:off x="685800" y="4343400"/>
+            <a:ext cx="5486400" cy="4114800"/>
+          </a:xfrm>
+          <a:prstGeom prst="rect">
+            <a:avLst/>
+          </a:prstGeom>
+        </p:spPr>
+        <p:txBody>
+          <a:bodyPr anchorCtr="0" anchor="t" bIns="91425" lIns="91425" spcFirstLastPara="1" rIns="91425" wrap="square" tIns="91425">
+            <a:noAutofit/>
+          </a:bodyPr>
+          <a:lstStyle/>
+          <a:p>
+            <a:pPr indent="0" lvl="0" marL="0" rtl="0" algn="l">
+              <a:spcBef>
+                <a:spcPts val="0"/>
+              </a:spcBef>
+              <a:spcAft>
+                <a:spcPts val="0"/>
+              </a:spcAft>
+              <a:buNone/>
+            </a:pPr>
+            <a:r>
+              <a:t/>
+            </a:r>
+            <a:endParaRPr/>
+          </a:p>
+        </p:txBody>
+      </p:sp>
+    </p:spTree>
+  </p:cSld>
+  <p:clrMapOvr>
+    <a:masterClrMapping/>
+  </p:clrMapOvr>
+</p:notes>
+</file>
+
+<file path=ppt/notesSlides/notesSlide15.xml><?xml version="1.0" encoding="utf-8"?>
+<p:notes xmlns:a="http://schemas.openxmlformats.org/drawingml/2006/main" xmlns:r="http://schemas.openxmlformats.org/officeDocument/2006/relationships" xmlns:mc="http://schemas.openxmlformats.org/markup-compatibility/2006" xmlns:mv="urn:schemas-microsoft-com:mac:vml" xmlns:p="http://schemas.openxmlformats.org/presentationml/2006/main" xmlns:c="http://schemas.openxmlformats.org/drawingml/2006/chart" xmlns:dgm="http://schemas.openxmlformats.org/drawingml/2006/diagram" xmlns:o="urn:schemas-microsoft-com:office:office" xmlns:v="urn:schemas-microsoft-com:vml" xmlns:pvml="urn:schemas-microsoft-com:office:powerpoint" xmlns:com="http://schemas.openxmlformats.org/drawingml/2006/compatibility" xmlns:p14="http://schemas.microsoft.com/office/powerpoint/2010/main" xmlns:p15="http://schemas.microsoft.com/office/powerpoint/2012/main" xmlns:ahyp="http://schemas.microsoft.com/office/drawing/2018/hyperlinkcolor" showMasterPhAnim="0" showMasterSp="0">
+  <p:cSld>
+    <p:spTree>
+      <p:nvGrpSpPr>
+        <p:cNvPr id="296" name="Shape 296"/>
+        <p:cNvGrpSpPr/>
+        <p:nvPr/>
+      </p:nvGrpSpPr>
+      <p:grpSpPr>
+        <a:xfrm>
+          <a:off x="0" y="0"/>
+          <a:ext cx="0" cy="0"/>
+          <a:chOff x="0" y="0"/>
+          <a:chExt cx="0" cy="0"/>
+        </a:xfrm>
+      </p:grpSpPr>
+      <p:sp>
+        <p:nvSpPr>
+          <p:cNvPr id="297" name="Google Shape;297;g35f391192_09:notes"/>
+          <p:cNvSpPr/>
+          <p:nvPr>
+            <p:ph idx="2" type="sldImg"/>
+          </p:nvPr>
+        </p:nvSpPr>
+        <p:spPr>
+          <a:xfrm>
+            <a:off x="381175" y="685800"/>
+            <a:ext cx="6096300" cy="3429000"/>
+          </a:xfrm>
+          <a:custGeom>
+            <a:rect b="b" l="l" r="r" t="t"/>
+            <a:pathLst>
+              <a:path extrusionOk="0" h="120000" w="120000">
+                <a:moveTo>
+                  <a:pt x="0" y="0"/>
+                </a:moveTo>
+                <a:lnTo>
+                  <a:pt x="120000" y="0"/>
+                </a:lnTo>
+                <a:lnTo>
+                  <a:pt x="120000" y="120000"/>
+                </a:lnTo>
+                <a:lnTo>
+                  <a:pt x="0" y="120000"/>
+                </a:lnTo>
+                <a:close/>
+              </a:path>
+            </a:pathLst>
+          </a:custGeom>
+        </p:spPr>
+      </p:sp>
+      <p:sp>
+        <p:nvSpPr>
+          <p:cNvPr id="298" name="Google Shape;298;g35f391192_09:notes"/>
+          <p:cNvSpPr txBox="1"/>
+          <p:nvPr>
+            <p:ph idx="1" type="body"/>
+          </p:nvPr>
+        </p:nvSpPr>
+        <p:spPr>
+          <a:xfrm>
+            <a:off x="685800" y="4343400"/>
+            <a:ext cx="5486400" cy="4114800"/>
+          </a:xfrm>
+          <a:prstGeom prst="rect">
+            <a:avLst/>
+          </a:prstGeom>
+        </p:spPr>
+        <p:txBody>
+          <a:bodyPr anchorCtr="0" anchor="t" bIns="91425" lIns="91425" spcFirstLastPara="1" rIns="91425" wrap="square" tIns="91425">
+            <a:noAutofit/>
+          </a:bodyPr>
+          <a:lstStyle/>
+          <a:p>
+            <a:pPr indent="0" lvl="0" marL="0" rtl="0" algn="l">
+              <a:spcBef>
+                <a:spcPts val="0"/>
+              </a:spcBef>
+              <a:spcAft>
+                <a:spcPts val="0"/>
+              </a:spcAft>
+              <a:buNone/>
+            </a:pPr>
+            <a:r>
+              <a:t/>
+            </a:r>
+            <a:endParaRPr/>
+          </a:p>
+        </p:txBody>
+      </p:sp>
+    </p:spTree>
+  </p:cSld>
+  <p:clrMapOvr>
+    <a:masterClrMapping/>
+  </p:clrMapOvr>
+</p:notes>
+</file>
+
+<file path=ppt/notesSlides/notesSlide16.xml><?xml version="1.0" encoding="utf-8"?>
+<p:notes xmlns:a="http://schemas.openxmlformats.org/drawingml/2006/main" xmlns:r="http://schemas.openxmlformats.org/officeDocument/2006/relationships" xmlns:mc="http://schemas.openxmlformats.org/markup-compatibility/2006" xmlns:mv="urn:schemas-microsoft-com:mac:vml" xmlns:p="http://schemas.openxmlformats.org/presentationml/2006/main" xmlns:c="http://schemas.openxmlformats.org/drawingml/2006/chart" xmlns:dgm="http://schemas.openxmlformats.org/drawingml/2006/diagram" xmlns:o="urn:schemas-microsoft-com:office:office" xmlns:v="urn:schemas-microsoft-com:vml" xmlns:pvml="urn:schemas-microsoft-com:office:powerpoint" xmlns:com="http://schemas.openxmlformats.org/drawingml/2006/compatibility" xmlns:p14="http://schemas.microsoft.com/office/powerpoint/2010/main" xmlns:p15="http://schemas.microsoft.com/office/powerpoint/2012/main" xmlns:ahyp="http://schemas.microsoft.com/office/drawing/2018/hyperlinkcolor" showMasterPhAnim="0" showMasterSp="0">
+  <p:cSld>
+    <p:spTree>
+      <p:nvGrpSpPr>
+        <p:cNvPr id="302" name="Shape 302"/>
+        <p:cNvGrpSpPr/>
+        <p:nvPr/>
+      </p:nvGrpSpPr>
+      <p:grpSpPr>
+        <a:xfrm>
+          <a:off x="0" y="0"/>
+          <a:ext cx="0" cy="0"/>
+          <a:chOff x="0" y="0"/>
+          <a:chExt cx="0" cy="0"/>
+        </a:xfrm>
+      </p:grpSpPr>
+      <p:sp>
+        <p:nvSpPr>
+          <p:cNvPr id="303" name="Google Shape;303;g1f61722c111_0_42:notes"/>
+          <p:cNvSpPr/>
+          <p:nvPr>
+            <p:ph idx="2" type="sldImg"/>
+          </p:nvPr>
+        </p:nvSpPr>
+        <p:spPr>
+          <a:xfrm>
+            <a:off x="381175" y="685800"/>
+            <a:ext cx="6096300" cy="3429000"/>
+          </a:xfrm>
+          <a:custGeom>
+            <a:rect b="b" l="l" r="r" t="t"/>
+            <a:pathLst>
+              <a:path extrusionOk="0" h="120000" w="120000">
+                <a:moveTo>
+                  <a:pt x="0" y="0"/>
+                </a:moveTo>
+                <a:lnTo>
+                  <a:pt x="120000" y="0"/>
+                </a:lnTo>
+                <a:lnTo>
+                  <a:pt x="120000" y="120000"/>
+                </a:lnTo>
+                <a:lnTo>
+                  <a:pt x="0" y="120000"/>
+                </a:lnTo>
+                <a:close/>
+              </a:path>
+            </a:pathLst>
+          </a:custGeom>
+        </p:spPr>
+      </p:sp>
+      <p:sp>
+        <p:nvSpPr>
+          <p:cNvPr id="304" name="Google Shape;304;g1f61722c111_0_42:notes"/>
+          <p:cNvSpPr txBox="1"/>
+          <p:nvPr>
+            <p:ph idx="1" type="body"/>
+          </p:nvPr>
+        </p:nvSpPr>
+        <p:spPr>
+          <a:xfrm>
+            <a:off x="685800" y="4343400"/>
+            <a:ext cx="5486400" cy="4114800"/>
+          </a:xfrm>
+          <a:prstGeom prst="rect">
+            <a:avLst/>
+          </a:prstGeom>
+        </p:spPr>
+        <p:txBody>
+          <a:bodyPr anchorCtr="0" anchor="t" bIns="91425" lIns="91425" spcFirstLastPara="1" rIns="91425" wrap="square" tIns="91425">
+            <a:noAutofit/>
+          </a:bodyPr>
+          <a:lstStyle/>
+          <a:p>
+            <a:pPr indent="0" lvl="0" marL="0" rtl="0" algn="l">
+              <a:spcBef>
+                <a:spcPts val="0"/>
+              </a:spcBef>
+              <a:spcAft>
+                <a:spcPts val="0"/>
+              </a:spcAft>
+              <a:buNone/>
+            </a:pPr>
+            <a:r>
+              <a:t/>
+            </a:r>
+            <a:endParaRPr/>
+          </a:p>
+        </p:txBody>
+      </p:sp>
+    </p:spTree>
+  </p:cSld>
+  <p:clrMapOvr>
+    <a:masterClrMapping/>
+  </p:clrMapOvr>
+</p:notes>
+</file>
+
+<file path=ppt/notesSlides/notesSlide17.xml><?xml version="1.0" encoding="utf-8"?>
+<p:notes xmlns:a="http://schemas.openxmlformats.org/drawingml/2006/main" xmlns:r="http://schemas.openxmlformats.org/officeDocument/2006/relationships" xmlns:mc="http://schemas.openxmlformats.org/markup-compatibility/2006" xmlns:mv="urn:schemas-microsoft-com:mac:vml" xmlns:p="http://schemas.openxmlformats.org/presentationml/2006/main" xmlns:c="http://schemas.openxmlformats.org/drawingml/2006/chart" xmlns:dgm="http://schemas.openxmlformats.org/drawingml/2006/diagram" xmlns:o="urn:schemas-microsoft-com:office:office" xmlns:v="urn:schemas-microsoft-com:vml" xmlns:pvml="urn:schemas-microsoft-com:office:powerpoint" xmlns:com="http://schemas.openxmlformats.org/drawingml/2006/compatibility" xmlns:p14="http://schemas.microsoft.com/office/powerpoint/2010/main" xmlns:p15="http://schemas.microsoft.com/office/powerpoint/2012/main" xmlns:ahyp="http://schemas.microsoft.com/office/drawing/2018/hyperlinkcolor" showMasterPhAnim="0" showMasterSp="0">
+  <p:cSld>
+    <p:spTree>
+      <p:nvGrpSpPr>
+        <p:cNvPr id="308" name="Shape 308"/>
+        <p:cNvGrpSpPr/>
+        <p:nvPr/>
+      </p:nvGrpSpPr>
+      <p:grpSpPr>
+        <a:xfrm>
+          <a:off x="0" y="0"/>
+          <a:ext cx="0" cy="0"/>
+          <a:chOff x="0" y="0"/>
+          <a:chExt cx="0" cy="0"/>
+        </a:xfrm>
+      </p:grpSpPr>
+      <p:sp>
+        <p:nvSpPr>
+          <p:cNvPr id="309" name="Google Shape;309;g35ed75ccf_022:notes"/>
+          <p:cNvSpPr/>
+          <p:nvPr>
+            <p:ph idx="2" type="sldImg"/>
+          </p:nvPr>
+        </p:nvSpPr>
+        <p:spPr>
+          <a:xfrm>
+            <a:off x="381175" y="685800"/>
+            <a:ext cx="6096300" cy="3429000"/>
+          </a:xfrm>
+          <a:custGeom>
+            <a:rect b="b" l="l" r="r" t="t"/>
+            <a:pathLst>
+              <a:path extrusionOk="0" h="120000" w="120000">
+                <a:moveTo>
+                  <a:pt x="0" y="0"/>
+                </a:moveTo>
+                <a:lnTo>
+                  <a:pt x="120000" y="0"/>
+                </a:lnTo>
+                <a:lnTo>
+                  <a:pt x="120000" y="120000"/>
+                </a:lnTo>
+                <a:lnTo>
+                  <a:pt x="0" y="120000"/>
+                </a:lnTo>
+                <a:close/>
+              </a:path>
+            </a:pathLst>
+          </a:custGeom>
+        </p:spPr>
+      </p:sp>
+      <p:sp>
+        <p:nvSpPr>
+          <p:cNvPr id="310" name="Google Shape;310;g35ed75ccf_022:notes"/>
           <p:cNvSpPr txBox="1"/>
           <p:nvPr>
             <p:ph idx="1" type="body"/>
@@ -1509,7 +2009,7 @@
       </p:grpSpPr>
       <p:sp>
         <p:nvSpPr>
-          <p:cNvPr id="233" name="Google Shape;233;g1f5f45092a4_0_42:notes"/>
+          <p:cNvPr id="233" name="Google Shape;233;g217ff7fe1e9_2_1:notes"/>
           <p:cNvSpPr/>
           <p:nvPr>
             <p:ph idx="2" type="sldImg"/>
@@ -1544,7 +2044,7 @@
       </p:sp>
       <p:sp>
         <p:nvSpPr>
-          <p:cNvPr id="234" name="Google Shape;234;g1f5f45092a4_0_42:notes"/>
+          <p:cNvPr id="234" name="Google Shape;234;g217ff7fe1e9_2_1:notes"/>
           <p:cNvSpPr txBox="1"/>
           <p:nvPr>
             <p:ph idx="1" type="body"/>
@@ -1608,7 +2108,7 @@
       </p:grpSpPr>
       <p:sp>
         <p:nvSpPr>
-          <p:cNvPr id="240" name="Google Shape;240;g1f963932949_0_0:notes"/>
+          <p:cNvPr id="240" name="Google Shape;240;g1f5f45092a4_0_42:notes"/>
           <p:cNvSpPr/>
           <p:nvPr>
             <p:ph idx="2" type="sldImg"/>
@@ -1643,7 +2143,7 @@
       </p:sp>
       <p:sp>
         <p:nvSpPr>
-          <p:cNvPr id="241" name="Google Shape;241;g1f963932949_0_0:notes"/>
+          <p:cNvPr id="241" name="Google Shape;241;g1f5f45092a4_0_42:notes"/>
           <p:cNvSpPr txBox="1"/>
           <p:nvPr>
             <p:ph idx="1" type="body"/>
@@ -1707,7 +2207,7 @@
       </p:grpSpPr>
       <p:sp>
         <p:nvSpPr>
-          <p:cNvPr id="247" name="Google Shape;247;g1f963932949_0_6:notes"/>
+          <p:cNvPr id="247" name="Google Shape;247;g217ff7fe1e9_2_9:notes"/>
           <p:cNvSpPr/>
           <p:nvPr>
             <p:ph idx="2" type="sldImg"/>
@@ -1742,7 +2242,7 @@
       </p:sp>
       <p:sp>
         <p:nvSpPr>
-          <p:cNvPr id="248" name="Google Shape;248;g1f963932949_0_6:notes"/>
+          <p:cNvPr id="248" name="Google Shape;248;g217ff7fe1e9_2_9:notes"/>
           <p:cNvSpPr txBox="1"/>
           <p:nvPr>
             <p:ph idx="1" type="body"/>
@@ -1806,7 +2306,7 @@
       </p:grpSpPr>
       <p:sp>
         <p:nvSpPr>
-          <p:cNvPr id="254" name="Google Shape;254;g35f391192_073:notes"/>
+          <p:cNvPr id="254" name="Google Shape;254;g217ff7fe1e9_0_10:notes"/>
           <p:cNvSpPr/>
           <p:nvPr>
             <p:ph idx="2" type="sldImg"/>
@@ -1841,7 +2341,7 @@
       </p:sp>
       <p:sp>
         <p:nvSpPr>
-          <p:cNvPr id="255" name="Google Shape;255;g35f391192_073:notes"/>
+          <p:cNvPr id="255" name="Google Shape;255;g217ff7fe1e9_0_10:notes"/>
           <p:cNvSpPr txBox="1"/>
           <p:nvPr>
             <p:ph idx="1" type="body"/>
@@ -13165,7 +13665,7 @@
   <p:cSld>
     <p:spTree>
       <p:nvGrpSpPr>
-        <p:cNvPr id="267" name="Shape 267"/>
+        <p:cNvPr id="262" name="Shape 262"/>
         <p:cNvGrpSpPr/>
         <p:nvPr/>
       </p:nvGrpSpPr>
@@ -13179,134 +13679,7 @@
       </p:grpSpPr>
       <p:sp>
         <p:nvSpPr>
-          <p:cNvPr id="268" name="Google Shape;268;p22"/>
-          <p:cNvSpPr txBox="1"/>
-          <p:nvPr>
-            <p:ph idx="1" type="body"/>
-          </p:nvPr>
-        </p:nvSpPr>
-        <p:spPr>
-          <a:xfrm>
-            <a:off x="1112400" y="1920300"/>
-            <a:ext cx="7026900" cy="2079600"/>
-          </a:xfrm>
-          <a:prstGeom prst="rect">
-            <a:avLst/>
-          </a:prstGeom>
-        </p:spPr>
-        <p:txBody>
-          <a:bodyPr anchorCtr="0" anchor="t" bIns="91425" lIns="91425" spcFirstLastPara="1" rIns="91425" wrap="square" tIns="91425">
-            <a:noAutofit/>
-          </a:bodyPr>
-          <a:lstStyle/>
-          <a:p>
-            <a:pPr indent="0" lvl="0" marL="0" rtl="0" algn="ctr">
-              <a:spcBef>
-                <a:spcPts val="600"/>
-              </a:spcBef>
-              <a:spcAft>
-                <a:spcPts val="0"/>
-              </a:spcAft>
-              <a:buNone/>
-            </a:pPr>
-            <a:r>
-              <a:rPr lang="en"/>
-              <a:t>Treehouse Feedback:</a:t>
-            </a:r>
-            <a:endParaRPr/>
-          </a:p>
-          <a:p>
-            <a:pPr indent="-342900" lvl="0" marL="457200" rtl="0" algn="l">
-              <a:spcBef>
-                <a:spcPts val="600"/>
-              </a:spcBef>
-              <a:spcAft>
-                <a:spcPts val="0"/>
-              </a:spcAft>
-              <a:buSzPts val="1800"/>
-              <a:buChar char="◎"/>
-            </a:pPr>
-            <a:r>
-              <a:rPr lang="en" sz="1800"/>
-              <a:t>Web app is running and looks neat</a:t>
-            </a:r>
-            <a:endParaRPr sz="1800"/>
-          </a:p>
-          <a:p>
-            <a:pPr indent="-342900" lvl="0" marL="457200" rtl="0" algn="l">
-              <a:spcBef>
-                <a:spcPts val="0"/>
-              </a:spcBef>
-              <a:spcAft>
-                <a:spcPts val="0"/>
-              </a:spcAft>
-              <a:buSzPts val="1800"/>
-              <a:buChar char="◎"/>
-            </a:pPr>
-            <a:r>
-              <a:rPr lang="en" sz="1800"/>
-              <a:t>I</a:t>
-            </a:r>
-            <a:r>
-              <a:rPr lang="en" sz="1800"/>
-              <a:t>s the search function under development?</a:t>
-            </a:r>
-            <a:endParaRPr sz="1800"/>
-          </a:p>
-          <a:p>
-            <a:pPr indent="-342900" lvl="0" marL="457200" rtl="0" algn="l">
-              <a:spcBef>
-                <a:spcPts val="0"/>
-              </a:spcBef>
-              <a:spcAft>
-                <a:spcPts val="0"/>
-              </a:spcAft>
-              <a:buSzPts val="1800"/>
-              <a:buChar char="◎"/>
-            </a:pPr>
-            <a:r>
-              <a:rPr lang="en" sz="1800"/>
-              <a:t>Is there a way to embed the video in the webpage itself rather than linking it to vimeo?</a:t>
-            </a:r>
-            <a:endParaRPr sz="1800"/>
-          </a:p>
-          <a:p>
-            <a:pPr indent="-342900" lvl="0" marL="457200" rtl="0" algn="l">
-              <a:spcBef>
-                <a:spcPts val="0"/>
-              </a:spcBef>
-              <a:spcAft>
-                <a:spcPts val="0"/>
-              </a:spcAft>
-              <a:buSzPts val="1800"/>
-              <a:buChar char="◎"/>
-            </a:pPr>
-            <a:r>
-              <a:rPr lang="en" sz="1800"/>
-              <a:t>Is the loading icon at the top of the home page something to be fixed soon?</a:t>
-            </a:r>
-            <a:endParaRPr sz="1800"/>
-          </a:p>
-          <a:p>
-            <a:pPr indent="0" lvl="0" marL="457200" rtl="0" algn="l">
-              <a:spcBef>
-                <a:spcPts val="600"/>
-              </a:spcBef>
-              <a:spcAft>
-                <a:spcPts val="0"/>
-              </a:spcAft>
-              <a:buNone/>
-            </a:pPr>
-            <a:r>
-              <a:t/>
-            </a:r>
-            <a:endParaRPr sz="1800"/>
-          </a:p>
-        </p:txBody>
-      </p:sp>
-      <p:sp>
-        <p:nvSpPr>
-          <p:cNvPr id="269" name="Google Shape;269;p22"/>
+          <p:cNvPr id="263" name="Google Shape;263;p22"/>
           <p:cNvSpPr txBox="1"/>
           <p:nvPr>
             <p:ph idx="12" type="sldNum"/>
@@ -13314,7 +13687,7 @@
         </p:nvSpPr>
         <p:spPr>
           <a:xfrm>
-            <a:off x="4337100" y="4751625"/>
+            <a:off x="8635625" y="4751625"/>
             <a:ext cx="469800" cy="391500"/>
           </a:xfrm>
           <a:prstGeom prst="rect">
@@ -13327,7 +13700,7 @@
           </a:bodyPr>
           <a:lstStyle/>
           <a:p>
-            <a:pPr indent="0" lvl="0" marL="0" rtl="0" algn="ctr">
+            <a:pPr indent="0" lvl="0" marL="0" rtl="0" algn="r">
               <a:spcBef>
                 <a:spcPts val="0"/>
               </a:spcBef>
@@ -13344,6 +13717,34 @@
           </a:p>
         </p:txBody>
       </p:sp>
+      <p:pic>
+        <p:nvPicPr>
+          <p:cNvPr id="264" name="Google Shape;264;p22"/>
+          <p:cNvPicPr preferRelativeResize="0"/>
+          <p:nvPr/>
+        </p:nvPicPr>
+        <p:blipFill>
+          <a:blip r:embed="rId3">
+            <a:alphaModFix/>
+          </a:blip>
+          <a:stretch>
+            <a:fillRect/>
+          </a:stretch>
+        </p:blipFill>
+        <p:spPr>
+          <a:xfrm>
+            <a:off x="138650" y="109761"/>
+            <a:ext cx="8738575" cy="4923974"/>
+          </a:xfrm>
+          <a:prstGeom prst="rect">
+            <a:avLst/>
+          </a:prstGeom>
+          <a:noFill/>
+          <a:ln>
+            <a:noFill/>
+          </a:ln>
+        </p:spPr>
+      </p:pic>
     </p:spTree>
   </p:cSld>
   <p:clrMapOvr>
@@ -13357,7 +13758,7 @@
   <p:cSld>
     <p:spTree>
       <p:nvGrpSpPr>
-        <p:cNvPr id="273" name="Shape 273"/>
+        <p:cNvPr id="268" name="Shape 268"/>
         <p:cNvGrpSpPr/>
         <p:nvPr/>
       </p:nvGrpSpPr>
@@ -13371,102 +13772,7 @@
       </p:grpSpPr>
       <p:sp>
         <p:nvSpPr>
-          <p:cNvPr id="274" name="Google Shape;274;p23"/>
-          <p:cNvSpPr txBox="1"/>
-          <p:nvPr>
-            <p:ph idx="1" type="body"/>
-          </p:nvPr>
-        </p:nvSpPr>
-        <p:spPr>
-          <a:xfrm>
-            <a:off x="1880850" y="1920300"/>
-            <a:ext cx="5382300" cy="2079600"/>
-          </a:xfrm>
-          <a:prstGeom prst="rect">
-            <a:avLst/>
-          </a:prstGeom>
-        </p:spPr>
-        <p:txBody>
-          <a:bodyPr anchorCtr="0" anchor="t" bIns="91425" lIns="91425" spcFirstLastPara="1" rIns="91425" wrap="square" tIns="91425">
-            <a:noAutofit/>
-          </a:bodyPr>
-          <a:lstStyle/>
-          <a:p>
-            <a:pPr indent="0" lvl="0" marL="0" rtl="0" algn="ctr">
-              <a:spcBef>
-                <a:spcPts val="600"/>
-              </a:spcBef>
-              <a:spcAft>
-                <a:spcPts val="0"/>
-              </a:spcAft>
-              <a:buNone/>
-            </a:pPr>
-            <a:r>
-              <a:rPr lang="en"/>
-              <a:t>Treehouse</a:t>
-            </a:r>
-            <a:r>
-              <a:rPr lang="en"/>
-              <a:t> Feedback Response:</a:t>
-            </a:r>
-            <a:endParaRPr/>
-          </a:p>
-          <a:p>
-            <a:pPr indent="-342900" lvl="0" marL="457200" rtl="0" algn="l">
-              <a:spcBef>
-                <a:spcPts val="600"/>
-              </a:spcBef>
-              <a:spcAft>
-                <a:spcPts val="0"/>
-              </a:spcAft>
-              <a:buSzPts val="1800"/>
-              <a:buChar char="●"/>
-            </a:pPr>
-            <a:r>
-              <a:rPr lang="en" sz="1800"/>
-              <a:t>Loading icon will be replaced with an image</a:t>
-            </a:r>
-            <a:endParaRPr sz="1800"/>
-          </a:p>
-          <a:p>
-            <a:pPr indent="-342900" lvl="0" marL="457200" rtl="0" algn="l">
-              <a:spcBef>
-                <a:spcPts val="0"/>
-              </a:spcBef>
-              <a:spcAft>
-                <a:spcPts val="0"/>
-              </a:spcAft>
-              <a:buSzPts val="1800"/>
-              <a:buChar char="●"/>
-            </a:pPr>
-            <a:r>
-              <a:rPr lang="en" sz="1800"/>
-              <a:t>Search feature is part of the future scope</a:t>
-            </a:r>
-            <a:endParaRPr sz="1800"/>
-          </a:p>
-          <a:p>
-            <a:pPr indent="-342900" lvl="0" marL="457200" rtl="0" algn="l">
-              <a:spcBef>
-                <a:spcPts val="0"/>
-              </a:spcBef>
-              <a:spcAft>
-                <a:spcPts val="0"/>
-              </a:spcAft>
-              <a:buSzPts val="1800"/>
-              <a:buChar char="●"/>
-            </a:pPr>
-            <a:r>
-              <a:rPr lang="en" sz="1800"/>
-              <a:t>The vimeo video isn’t loading because its from the template but will be fixed.</a:t>
-            </a:r>
-            <a:endParaRPr sz="1800"/>
-          </a:p>
-        </p:txBody>
-      </p:sp>
-      <p:sp>
-        <p:nvSpPr>
-          <p:cNvPr id="275" name="Google Shape;275;p23"/>
+          <p:cNvPr id="269" name="Google Shape;269;p23"/>
           <p:cNvSpPr txBox="1"/>
           <p:nvPr>
             <p:ph idx="12" type="sldNum"/>
@@ -13474,7 +13780,7 @@
         </p:nvSpPr>
         <p:spPr>
           <a:xfrm>
-            <a:off x="4337100" y="4751625"/>
+            <a:off x="8635625" y="4751625"/>
             <a:ext cx="469800" cy="391500"/>
           </a:xfrm>
           <a:prstGeom prst="rect">
@@ -13487,7 +13793,7 @@
           </a:bodyPr>
           <a:lstStyle/>
           <a:p>
-            <a:pPr indent="0" lvl="0" marL="0" rtl="0" algn="ctr">
+            <a:pPr indent="0" lvl="0" marL="0" rtl="0" algn="r">
               <a:spcBef>
                 <a:spcPts val="0"/>
               </a:spcBef>
@@ -13504,6 +13810,34 @@
           </a:p>
         </p:txBody>
       </p:sp>
+      <p:pic>
+        <p:nvPicPr>
+          <p:cNvPr id="270" name="Google Shape;270;p23"/>
+          <p:cNvPicPr preferRelativeResize="0"/>
+          <p:nvPr/>
+        </p:nvPicPr>
+        <p:blipFill>
+          <a:blip r:embed="rId3">
+            <a:alphaModFix/>
+          </a:blip>
+          <a:stretch>
+            <a:fillRect/>
+          </a:stretch>
+        </p:blipFill>
+        <p:spPr>
+          <a:xfrm>
+            <a:off x="286349" y="118250"/>
+            <a:ext cx="8614851" cy="4740675"/>
+          </a:xfrm>
+          <a:prstGeom prst="rect">
+            <a:avLst/>
+          </a:prstGeom>
+          <a:noFill/>
+          <a:ln>
+            <a:noFill/>
+          </a:ln>
+        </p:spPr>
+      </p:pic>
     </p:spTree>
   </p:cSld>
   <p:clrMapOvr>
@@ -13517,7 +13851,7 @@
   <p:cSld>
     <p:spTree>
       <p:nvGrpSpPr>
-        <p:cNvPr id="279" name="Shape 279"/>
+        <p:cNvPr id="274" name="Shape 274"/>
         <p:cNvGrpSpPr/>
         <p:nvPr/>
       </p:nvGrpSpPr>
@@ -13531,7 +13865,1387 @@
       </p:grpSpPr>
       <p:sp>
         <p:nvSpPr>
-          <p:cNvPr id="280" name="Google Shape;280;p24"/>
+          <p:cNvPr id="275" name="Google Shape;275;p24"/>
+          <p:cNvSpPr txBox="1"/>
+          <p:nvPr>
+            <p:ph type="title"/>
+          </p:nvPr>
+        </p:nvSpPr>
+        <p:spPr>
+          <a:xfrm>
+            <a:off x="2935875" y="909050"/>
+            <a:ext cx="5275500" cy="641100"/>
+          </a:xfrm>
+          <a:prstGeom prst="rect">
+            <a:avLst/>
+          </a:prstGeom>
+        </p:spPr>
+        <p:txBody>
+          <a:bodyPr anchorCtr="0" anchor="b" bIns="91425" lIns="91425" spcFirstLastPara="1" rIns="91425" wrap="square" tIns="91425">
+            <a:noAutofit/>
+          </a:bodyPr>
+          <a:lstStyle/>
+          <a:p>
+            <a:pPr indent="0" lvl="0" marL="0" rtl="0" algn="l">
+              <a:spcBef>
+                <a:spcPts val="0"/>
+              </a:spcBef>
+              <a:spcAft>
+                <a:spcPts val="0"/>
+              </a:spcAft>
+              <a:buNone/>
+            </a:pPr>
+            <a:r>
+              <a:rPr lang="en" sz="3600"/>
+              <a:t>Test Plan</a:t>
+            </a:r>
+            <a:endParaRPr sz="3600"/>
+          </a:p>
+        </p:txBody>
+      </p:sp>
+      <p:sp>
+        <p:nvSpPr>
+          <p:cNvPr id="276" name="Google Shape;276;p24"/>
+          <p:cNvSpPr txBox="1"/>
+          <p:nvPr>
+            <p:ph idx="1" type="body"/>
+          </p:nvPr>
+        </p:nvSpPr>
+        <p:spPr>
+          <a:xfrm>
+            <a:off x="2158725" y="1525750"/>
+            <a:ext cx="6052800" cy="2786100"/>
+          </a:xfrm>
+          <a:prstGeom prst="rect">
+            <a:avLst/>
+          </a:prstGeom>
+        </p:spPr>
+        <p:txBody>
+          <a:bodyPr anchorCtr="0" anchor="t" bIns="91425" lIns="91425" spcFirstLastPara="1" rIns="91425" wrap="square" tIns="91425">
+            <a:noAutofit/>
+          </a:bodyPr>
+          <a:lstStyle/>
+          <a:p>
+            <a:pPr indent="-342900" lvl="0" marL="457200" rtl="0" algn="l">
+              <a:spcBef>
+                <a:spcPts val="600"/>
+              </a:spcBef>
+              <a:spcAft>
+                <a:spcPts val="0"/>
+              </a:spcAft>
+              <a:buSzPts val="1800"/>
+              <a:buChar char="●"/>
+            </a:pPr>
+            <a:r>
+              <a:rPr lang="en" sz="1800"/>
+              <a:t>Cart: Should display # products in cart and info</a:t>
+            </a:r>
+            <a:endParaRPr sz="1800"/>
+          </a:p>
+          <a:p>
+            <a:pPr indent="-342900" lvl="0" marL="457200" rtl="0" algn="l">
+              <a:spcBef>
+                <a:spcPts val="0"/>
+              </a:spcBef>
+              <a:spcAft>
+                <a:spcPts val="0"/>
+              </a:spcAft>
+              <a:buSzPts val="1800"/>
+              <a:buChar char="●"/>
+            </a:pPr>
+            <a:r>
+              <a:rPr lang="en" sz="1800"/>
+              <a:t>Men/Women’s: Should filter items based on gender</a:t>
+            </a:r>
+            <a:endParaRPr sz="1800"/>
+          </a:p>
+          <a:p>
+            <a:pPr indent="-342900" lvl="0" marL="457200" rtl="0" algn="l">
+              <a:spcBef>
+                <a:spcPts val="0"/>
+              </a:spcBef>
+              <a:spcAft>
+                <a:spcPts val="0"/>
+              </a:spcAft>
+              <a:buSzPts val="1800"/>
+              <a:buChar char="●"/>
+            </a:pPr>
+            <a:r>
+              <a:rPr lang="en" sz="1800"/>
+              <a:t>Best Sellers: Should be displayed on home page with trending </a:t>
+            </a:r>
+            <a:r>
+              <a:rPr lang="en" sz="1800"/>
+              <a:t>products</a:t>
+            </a:r>
+            <a:endParaRPr sz="1800"/>
+          </a:p>
+          <a:p>
+            <a:pPr indent="-342900" lvl="0" marL="457200" rtl="0" algn="l">
+              <a:spcBef>
+                <a:spcPts val="0"/>
+              </a:spcBef>
+              <a:spcAft>
+                <a:spcPts val="0"/>
+              </a:spcAft>
+              <a:buSzPts val="1800"/>
+              <a:buChar char="●"/>
+            </a:pPr>
+            <a:r>
+              <a:rPr lang="en" sz="1800"/>
+              <a:t>Checkout/Payment: Users should be able to complete their purchase</a:t>
+            </a:r>
+            <a:endParaRPr sz="1800"/>
+          </a:p>
+          <a:p>
+            <a:pPr indent="-342900" lvl="0" marL="457200" rtl="0" algn="l">
+              <a:spcBef>
+                <a:spcPts val="0"/>
+              </a:spcBef>
+              <a:spcAft>
+                <a:spcPts val="0"/>
+              </a:spcAft>
+              <a:buSzPts val="1800"/>
+              <a:buChar char="●"/>
+            </a:pPr>
+            <a:r>
+              <a:rPr lang="en" sz="1800"/>
+              <a:t>Order Summary: Should display order number and details</a:t>
+            </a:r>
+            <a:endParaRPr sz="1800"/>
+          </a:p>
+        </p:txBody>
+      </p:sp>
+      <p:sp>
+        <p:nvSpPr>
+          <p:cNvPr id="277" name="Google Shape;277;p24"/>
+          <p:cNvSpPr txBox="1"/>
+          <p:nvPr>
+            <p:ph idx="12" type="sldNum"/>
+          </p:nvPr>
+        </p:nvSpPr>
+        <p:spPr>
+          <a:xfrm>
+            <a:off x="8635625" y="4751625"/>
+            <a:ext cx="469800" cy="391500"/>
+          </a:xfrm>
+          <a:prstGeom prst="rect">
+            <a:avLst/>
+          </a:prstGeom>
+        </p:spPr>
+        <p:txBody>
+          <a:bodyPr anchorCtr="0" anchor="t" bIns="91425" lIns="91425" spcFirstLastPara="1" rIns="91425" wrap="square" tIns="91425">
+            <a:noAutofit/>
+          </a:bodyPr>
+          <a:lstStyle/>
+          <a:p>
+            <a:pPr indent="0" lvl="0" marL="0" rtl="0" algn="r">
+              <a:spcBef>
+                <a:spcPts val="0"/>
+              </a:spcBef>
+              <a:spcAft>
+                <a:spcPts val="0"/>
+              </a:spcAft>
+              <a:buNone/>
+            </a:pPr>
+            <a:fld id="{00000000-1234-1234-1234-123412341234}" type="slidenum">
+              <a:rPr lang="en"/>
+              <a:t>‹#›</a:t>
+            </a:fld>
+            <a:endParaRPr/>
+          </a:p>
+        </p:txBody>
+      </p:sp>
+    </p:spTree>
+  </p:cSld>
+  <p:clrMapOvr>
+    <a:masterClrMapping/>
+  </p:clrMapOvr>
+</p:sld>
+</file>
+
+<file path=ppt/slides/slide13.xml><?xml version="1.0" encoding="utf-8"?>
+<p:sld xmlns:a="http://schemas.openxmlformats.org/drawingml/2006/main" xmlns:r="http://schemas.openxmlformats.org/officeDocument/2006/relationships" xmlns:mc="http://schemas.openxmlformats.org/markup-compatibility/2006" xmlns:mv="urn:schemas-microsoft-com:mac:vml" xmlns:p="http://schemas.openxmlformats.org/presentationml/2006/main" xmlns:c="http://schemas.openxmlformats.org/drawingml/2006/chart" xmlns:dgm="http://schemas.openxmlformats.org/drawingml/2006/diagram" xmlns:o="urn:schemas-microsoft-com:office:office" xmlns:v="urn:schemas-microsoft-com:vml" xmlns:pvml="urn:schemas-microsoft-com:office:powerpoint" xmlns:com="http://schemas.openxmlformats.org/drawingml/2006/compatibility" xmlns:p14="http://schemas.microsoft.com/office/powerpoint/2010/main" xmlns:p15="http://schemas.microsoft.com/office/powerpoint/2012/main" xmlns:ahyp="http://schemas.microsoft.com/office/drawing/2018/hyperlinkcolor">
+  <p:cSld>
+    <p:spTree>
+      <p:nvGrpSpPr>
+        <p:cNvPr id="281" name="Shape 281"/>
+        <p:cNvGrpSpPr/>
+        <p:nvPr/>
+      </p:nvGrpSpPr>
+      <p:grpSpPr>
+        <a:xfrm>
+          <a:off x="0" y="0"/>
+          <a:ext cx="0" cy="0"/>
+          <a:chOff x="0" y="0"/>
+          <a:chExt cx="0" cy="0"/>
+        </a:xfrm>
+      </p:grpSpPr>
+      <p:sp>
+        <p:nvSpPr>
+          <p:cNvPr id="282" name="Google Shape;282;p25"/>
+          <p:cNvSpPr txBox="1"/>
+          <p:nvPr>
+            <p:ph type="title"/>
+          </p:nvPr>
+        </p:nvSpPr>
+        <p:spPr>
+          <a:xfrm>
+            <a:off x="2935875" y="909050"/>
+            <a:ext cx="5275500" cy="641100"/>
+          </a:xfrm>
+          <a:prstGeom prst="rect">
+            <a:avLst/>
+          </a:prstGeom>
+        </p:spPr>
+        <p:txBody>
+          <a:bodyPr anchorCtr="0" anchor="b" bIns="91425" lIns="91425" spcFirstLastPara="1" rIns="91425" wrap="square" tIns="91425">
+            <a:noAutofit/>
+          </a:bodyPr>
+          <a:lstStyle/>
+          <a:p>
+            <a:pPr indent="0" lvl="0" marL="0" rtl="0" algn="l">
+              <a:spcBef>
+                <a:spcPts val="0"/>
+              </a:spcBef>
+              <a:spcAft>
+                <a:spcPts val="0"/>
+              </a:spcAft>
+              <a:buNone/>
+            </a:pPr>
+            <a:r>
+              <a:rPr lang="en" sz="3600"/>
+              <a:t>Test Plan</a:t>
+            </a:r>
+            <a:endParaRPr sz="3600"/>
+          </a:p>
+        </p:txBody>
+      </p:sp>
+      <p:sp>
+        <p:nvSpPr>
+          <p:cNvPr id="283" name="Google Shape;283;p25"/>
+          <p:cNvSpPr txBox="1"/>
+          <p:nvPr>
+            <p:ph idx="1" type="body"/>
+          </p:nvPr>
+        </p:nvSpPr>
+        <p:spPr>
+          <a:xfrm>
+            <a:off x="2158725" y="1525750"/>
+            <a:ext cx="6052800" cy="2786100"/>
+          </a:xfrm>
+          <a:prstGeom prst="rect">
+            <a:avLst/>
+          </a:prstGeom>
+        </p:spPr>
+        <p:txBody>
+          <a:bodyPr anchorCtr="0" anchor="t" bIns="91425" lIns="91425" spcFirstLastPara="1" rIns="91425" wrap="square" tIns="91425">
+            <a:noAutofit/>
+          </a:bodyPr>
+          <a:lstStyle/>
+          <a:p>
+            <a:pPr indent="-342900" lvl="0" marL="457200" rtl="0" algn="l">
+              <a:spcBef>
+                <a:spcPts val="600"/>
+              </a:spcBef>
+              <a:spcAft>
+                <a:spcPts val="0"/>
+              </a:spcAft>
+              <a:buSzPts val="1800"/>
+              <a:buChar char="●"/>
+            </a:pPr>
+            <a:r>
+              <a:rPr lang="en" sz="1800"/>
+              <a:t>Seller page: should allow the seller to add items to the inventory, should display a form</a:t>
+            </a:r>
+            <a:endParaRPr sz="1800"/>
+          </a:p>
+          <a:p>
+            <a:pPr indent="-342900" lvl="0" marL="457200" rtl="0" algn="l">
+              <a:spcBef>
+                <a:spcPts val="0"/>
+              </a:spcBef>
+              <a:spcAft>
+                <a:spcPts val="0"/>
+              </a:spcAft>
+              <a:buSzPts val="1800"/>
+              <a:buChar char="●"/>
+            </a:pPr>
+            <a:r>
+              <a:rPr lang="en" sz="1800"/>
+              <a:t>User Authentication: Should allow users to login or </a:t>
+            </a:r>
+            <a:r>
+              <a:rPr lang="en" sz="1800"/>
+              <a:t>create</a:t>
+            </a:r>
+            <a:r>
+              <a:rPr lang="en" sz="1800"/>
+              <a:t> an account. Authenticates the users</a:t>
+            </a:r>
+            <a:endParaRPr sz="1800"/>
+          </a:p>
+        </p:txBody>
+      </p:sp>
+      <p:sp>
+        <p:nvSpPr>
+          <p:cNvPr id="284" name="Google Shape;284;p25"/>
+          <p:cNvSpPr txBox="1"/>
+          <p:nvPr>
+            <p:ph idx="12" type="sldNum"/>
+          </p:nvPr>
+        </p:nvSpPr>
+        <p:spPr>
+          <a:xfrm>
+            <a:off x="8635625" y="4751625"/>
+            <a:ext cx="469800" cy="391500"/>
+          </a:xfrm>
+          <a:prstGeom prst="rect">
+            <a:avLst/>
+          </a:prstGeom>
+        </p:spPr>
+        <p:txBody>
+          <a:bodyPr anchorCtr="0" anchor="t" bIns="91425" lIns="91425" spcFirstLastPara="1" rIns="91425" wrap="square" tIns="91425">
+            <a:noAutofit/>
+          </a:bodyPr>
+          <a:lstStyle/>
+          <a:p>
+            <a:pPr indent="0" lvl="0" marL="0" rtl="0" algn="r">
+              <a:spcBef>
+                <a:spcPts val="0"/>
+              </a:spcBef>
+              <a:spcAft>
+                <a:spcPts val="0"/>
+              </a:spcAft>
+              <a:buNone/>
+            </a:pPr>
+            <a:fld id="{00000000-1234-1234-1234-123412341234}" type="slidenum">
+              <a:rPr lang="en"/>
+              <a:t>‹#›</a:t>
+            </a:fld>
+            <a:endParaRPr/>
+          </a:p>
+        </p:txBody>
+      </p:sp>
+    </p:spTree>
+  </p:cSld>
+  <p:clrMapOvr>
+    <a:masterClrMapping/>
+  </p:clrMapOvr>
+</p:sld>
+</file>
+
+<file path=ppt/slides/slide14.xml><?xml version="1.0" encoding="utf-8"?>
+<p:sld xmlns:a="http://schemas.openxmlformats.org/drawingml/2006/main" xmlns:r="http://schemas.openxmlformats.org/officeDocument/2006/relationships" xmlns:mc="http://schemas.openxmlformats.org/markup-compatibility/2006" xmlns:mv="urn:schemas-microsoft-com:mac:vml" xmlns:p="http://schemas.openxmlformats.org/presentationml/2006/main" xmlns:c="http://schemas.openxmlformats.org/drawingml/2006/chart" xmlns:dgm="http://schemas.openxmlformats.org/drawingml/2006/diagram" xmlns:o="urn:schemas-microsoft-com:office:office" xmlns:v="urn:schemas-microsoft-com:vml" xmlns:pvml="urn:schemas-microsoft-com:office:powerpoint" xmlns:com="http://schemas.openxmlformats.org/drawingml/2006/compatibility" xmlns:p14="http://schemas.microsoft.com/office/powerpoint/2010/main" xmlns:p15="http://schemas.microsoft.com/office/powerpoint/2012/main" xmlns:ahyp="http://schemas.microsoft.com/office/drawing/2018/hyperlinkcolor">
+  <p:cSld>
+    <p:spTree>
+      <p:nvGrpSpPr>
+        <p:cNvPr id="288" name="Shape 288"/>
+        <p:cNvGrpSpPr/>
+        <p:nvPr/>
+      </p:nvGrpSpPr>
+      <p:grpSpPr>
+        <a:xfrm>
+          <a:off x="0" y="0"/>
+          <a:ext cx="0" cy="0"/>
+          <a:chOff x="0" y="0"/>
+          <a:chExt cx="0" cy="0"/>
+        </a:xfrm>
+      </p:grpSpPr>
+      <p:sp>
+        <p:nvSpPr>
+          <p:cNvPr id="289" name="Google Shape;289;p26"/>
+          <p:cNvSpPr/>
+          <p:nvPr/>
+        </p:nvSpPr>
+        <p:spPr>
+          <a:xfrm>
+            <a:off x="519424" y="1532250"/>
+            <a:ext cx="1948500" cy="1917300"/>
+          </a:xfrm>
+          <a:prstGeom prst="ellipse">
+            <a:avLst/>
+          </a:prstGeom>
+          <a:solidFill>
+            <a:srgbClr val="F8BB00">
+              <a:alpha val="86670"/>
+            </a:srgbClr>
+          </a:solidFill>
+          <a:ln>
+            <a:noFill/>
+          </a:ln>
+        </p:spPr>
+        <p:txBody>
+          <a:bodyPr anchorCtr="0" anchor="ctr" bIns="91425" lIns="91425" spcFirstLastPara="1" rIns="91425" wrap="square" tIns="91425">
+            <a:noAutofit/>
+          </a:bodyPr>
+          <a:lstStyle/>
+          <a:p>
+            <a:pPr indent="0" lvl="0" marL="0" rtl="0" algn="ctr">
+              <a:spcBef>
+                <a:spcPts val="0"/>
+              </a:spcBef>
+              <a:spcAft>
+                <a:spcPts val="0"/>
+              </a:spcAft>
+              <a:buNone/>
+            </a:pPr>
+            <a:r>
+              <a:rPr b="1" lang="en">
+                <a:solidFill>
+                  <a:srgbClr val="FFFFFF"/>
+                </a:solidFill>
+                <a:latin typeface="Varela Round"/>
+                <a:ea typeface="Varela Round"/>
+                <a:cs typeface="Varela Round"/>
+                <a:sym typeface="Varela Round"/>
+              </a:rPr>
+              <a:t>M1</a:t>
+            </a:r>
+            <a:endParaRPr b="1">
+              <a:solidFill>
+                <a:srgbClr val="FFFFFF"/>
+              </a:solidFill>
+              <a:latin typeface="Varela Round"/>
+              <a:ea typeface="Varela Round"/>
+              <a:cs typeface="Varela Round"/>
+              <a:sym typeface="Varela Round"/>
+            </a:endParaRPr>
+          </a:p>
+          <a:p>
+            <a:pPr indent="0" lvl="0" marL="0" rtl="0" algn="ctr">
+              <a:spcBef>
+                <a:spcPts val="0"/>
+              </a:spcBef>
+              <a:spcAft>
+                <a:spcPts val="0"/>
+              </a:spcAft>
+              <a:buNone/>
+            </a:pPr>
+            <a:r>
+              <a:rPr b="1" lang="en">
+                <a:solidFill>
+                  <a:srgbClr val="FFFFFF"/>
+                </a:solidFill>
+                <a:latin typeface="Varela Round"/>
+                <a:ea typeface="Varela Round"/>
+                <a:cs typeface="Varela Round"/>
+                <a:sym typeface="Varela Round"/>
+              </a:rPr>
+              <a:t>Seller Page</a:t>
+            </a:r>
+            <a:endParaRPr b="1">
+              <a:solidFill>
+                <a:srgbClr val="FFFFFF"/>
+              </a:solidFill>
+              <a:latin typeface="Varela Round"/>
+              <a:ea typeface="Varela Round"/>
+              <a:cs typeface="Varela Round"/>
+              <a:sym typeface="Varela Round"/>
+            </a:endParaRPr>
+          </a:p>
+        </p:txBody>
+      </p:sp>
+      <p:sp>
+        <p:nvSpPr>
+          <p:cNvPr id="290" name="Google Shape;290;p26"/>
+          <p:cNvSpPr txBox="1"/>
+          <p:nvPr>
+            <p:ph idx="4294967295" type="title"/>
+          </p:nvPr>
+        </p:nvSpPr>
+        <p:spPr>
+          <a:xfrm>
+            <a:off x="1934250" y="154550"/>
+            <a:ext cx="5275500" cy="641100"/>
+          </a:xfrm>
+          <a:prstGeom prst="rect">
+            <a:avLst/>
+          </a:prstGeom>
+        </p:spPr>
+        <p:txBody>
+          <a:bodyPr anchorCtr="0" anchor="b" bIns="91425" lIns="91425" spcFirstLastPara="1" rIns="91425" wrap="square" tIns="91425">
+            <a:noAutofit/>
+          </a:bodyPr>
+          <a:lstStyle/>
+          <a:p>
+            <a:pPr indent="0" lvl="0" marL="0" rtl="0" algn="ctr">
+              <a:spcBef>
+                <a:spcPts val="0"/>
+              </a:spcBef>
+              <a:spcAft>
+                <a:spcPts val="0"/>
+              </a:spcAft>
+              <a:buNone/>
+            </a:pPr>
+            <a:r>
+              <a:rPr lang="en"/>
+              <a:t>Milestones</a:t>
+            </a:r>
+            <a:endParaRPr/>
+          </a:p>
+        </p:txBody>
+      </p:sp>
+      <p:sp>
+        <p:nvSpPr>
+          <p:cNvPr id="291" name="Google Shape;291;p26"/>
+          <p:cNvSpPr txBox="1"/>
+          <p:nvPr>
+            <p:ph idx="12" type="sldNum"/>
+          </p:nvPr>
+        </p:nvSpPr>
+        <p:spPr>
+          <a:xfrm>
+            <a:off x="4337100" y="4751625"/>
+            <a:ext cx="469800" cy="391500"/>
+          </a:xfrm>
+          <a:prstGeom prst="rect">
+            <a:avLst/>
+          </a:prstGeom>
+        </p:spPr>
+        <p:txBody>
+          <a:bodyPr anchorCtr="0" anchor="t" bIns="91425" lIns="91425" spcFirstLastPara="1" rIns="91425" wrap="square" tIns="91425">
+            <a:noAutofit/>
+          </a:bodyPr>
+          <a:lstStyle/>
+          <a:p>
+            <a:pPr indent="0" lvl="0" marL="0" rtl="0" algn="ctr">
+              <a:spcBef>
+                <a:spcPts val="0"/>
+              </a:spcBef>
+              <a:spcAft>
+                <a:spcPts val="0"/>
+              </a:spcAft>
+              <a:buNone/>
+            </a:pPr>
+            <a:fld id="{00000000-1234-1234-1234-123412341234}" type="slidenum">
+              <a:rPr lang="en"/>
+              <a:t>‹#›</a:t>
+            </a:fld>
+            <a:endParaRPr/>
+          </a:p>
+        </p:txBody>
+      </p:sp>
+      <p:sp>
+        <p:nvSpPr>
+          <p:cNvPr id="292" name="Google Shape;292;p26"/>
+          <p:cNvSpPr/>
+          <p:nvPr/>
+        </p:nvSpPr>
+        <p:spPr>
+          <a:xfrm>
+            <a:off x="2048349" y="1532250"/>
+            <a:ext cx="1948500" cy="1917300"/>
+          </a:xfrm>
+          <a:prstGeom prst="ellipse">
+            <a:avLst/>
+          </a:prstGeom>
+          <a:solidFill>
+            <a:srgbClr val="BBCD00">
+              <a:alpha val="86670"/>
+            </a:srgbClr>
+          </a:solidFill>
+          <a:ln>
+            <a:noFill/>
+          </a:ln>
+        </p:spPr>
+        <p:txBody>
+          <a:bodyPr anchorCtr="0" anchor="ctr" bIns="91425" lIns="91425" spcFirstLastPara="1" rIns="91425" wrap="square" tIns="91425">
+            <a:noAutofit/>
+          </a:bodyPr>
+          <a:lstStyle/>
+          <a:p>
+            <a:pPr indent="0" lvl="0" marL="0" rtl="0" algn="ctr">
+              <a:spcBef>
+                <a:spcPts val="0"/>
+              </a:spcBef>
+              <a:spcAft>
+                <a:spcPts val="0"/>
+              </a:spcAft>
+              <a:buNone/>
+            </a:pPr>
+            <a:r>
+              <a:rPr b="1" lang="en">
+                <a:solidFill>
+                  <a:srgbClr val="FFFFFF"/>
+                </a:solidFill>
+                <a:latin typeface="Varela Round"/>
+                <a:ea typeface="Varela Round"/>
+                <a:cs typeface="Varela Round"/>
+                <a:sym typeface="Varela Round"/>
+              </a:rPr>
+              <a:t>M2</a:t>
+            </a:r>
+            <a:endParaRPr b="1">
+              <a:solidFill>
+                <a:srgbClr val="FFFFFF"/>
+              </a:solidFill>
+              <a:latin typeface="Varela Round"/>
+              <a:ea typeface="Varela Round"/>
+              <a:cs typeface="Varela Round"/>
+              <a:sym typeface="Varela Round"/>
+            </a:endParaRPr>
+          </a:p>
+          <a:p>
+            <a:pPr indent="0" lvl="0" marL="0" rtl="0" algn="ctr">
+              <a:spcBef>
+                <a:spcPts val="0"/>
+              </a:spcBef>
+              <a:spcAft>
+                <a:spcPts val="0"/>
+              </a:spcAft>
+              <a:buNone/>
+            </a:pPr>
+            <a:r>
+              <a:rPr b="1" lang="en">
+                <a:solidFill>
+                  <a:srgbClr val="FFFFFF"/>
+                </a:solidFill>
+                <a:latin typeface="Varela Round"/>
+                <a:ea typeface="Varela Round"/>
+                <a:cs typeface="Varela Round"/>
+                <a:sym typeface="Varela Round"/>
+              </a:rPr>
+              <a:t>Shopping Cart</a:t>
+            </a:r>
+            <a:endParaRPr b="1">
+              <a:solidFill>
+                <a:srgbClr val="FFFFFF"/>
+              </a:solidFill>
+              <a:latin typeface="Varela Round"/>
+              <a:ea typeface="Varela Round"/>
+              <a:cs typeface="Varela Round"/>
+              <a:sym typeface="Varela Round"/>
+            </a:endParaRPr>
+          </a:p>
+        </p:txBody>
+      </p:sp>
+      <p:sp>
+        <p:nvSpPr>
+          <p:cNvPr id="293" name="Google Shape;293;p26"/>
+          <p:cNvSpPr/>
+          <p:nvPr/>
+        </p:nvSpPr>
+        <p:spPr>
+          <a:xfrm>
+            <a:off x="3659199" y="1463425"/>
+            <a:ext cx="1948500" cy="1917300"/>
+          </a:xfrm>
+          <a:prstGeom prst="ellipse">
+            <a:avLst/>
+          </a:prstGeom>
+          <a:solidFill>
+            <a:srgbClr val="ED4A00">
+              <a:alpha val="86670"/>
+            </a:srgbClr>
+          </a:solidFill>
+          <a:ln>
+            <a:noFill/>
+          </a:ln>
+        </p:spPr>
+        <p:txBody>
+          <a:bodyPr anchorCtr="0" anchor="ctr" bIns="91425" lIns="91425" spcFirstLastPara="1" rIns="91425" wrap="square" tIns="91425">
+            <a:noAutofit/>
+          </a:bodyPr>
+          <a:lstStyle/>
+          <a:p>
+            <a:pPr indent="0" lvl="0" marL="0" rtl="0" algn="ctr">
+              <a:spcBef>
+                <a:spcPts val="0"/>
+              </a:spcBef>
+              <a:spcAft>
+                <a:spcPts val="0"/>
+              </a:spcAft>
+              <a:buNone/>
+            </a:pPr>
+            <a:r>
+              <a:rPr b="1" lang="en">
+                <a:solidFill>
+                  <a:srgbClr val="FFFFFF"/>
+                </a:solidFill>
+                <a:latin typeface="Varela Round"/>
+                <a:ea typeface="Varela Round"/>
+                <a:cs typeface="Varela Round"/>
+                <a:sym typeface="Varela Round"/>
+              </a:rPr>
+              <a:t>M3</a:t>
+            </a:r>
+            <a:endParaRPr b="1">
+              <a:solidFill>
+                <a:srgbClr val="FFFFFF"/>
+              </a:solidFill>
+              <a:latin typeface="Varela Round"/>
+              <a:ea typeface="Varela Round"/>
+              <a:cs typeface="Varela Round"/>
+              <a:sym typeface="Varela Round"/>
+            </a:endParaRPr>
+          </a:p>
+          <a:p>
+            <a:pPr indent="0" lvl="0" marL="0" rtl="0" algn="ctr">
+              <a:spcBef>
+                <a:spcPts val="0"/>
+              </a:spcBef>
+              <a:spcAft>
+                <a:spcPts val="0"/>
+              </a:spcAft>
+              <a:buNone/>
+            </a:pPr>
+            <a:r>
+              <a:rPr b="1" lang="en">
+                <a:solidFill>
+                  <a:srgbClr val="FFFFFF"/>
+                </a:solidFill>
+                <a:latin typeface="Varela Round"/>
+                <a:ea typeface="Varela Round"/>
+                <a:cs typeface="Varela Round"/>
+                <a:sym typeface="Varela Round"/>
+              </a:rPr>
+              <a:t>Men/Women</a:t>
+            </a:r>
+            <a:endParaRPr b="1">
+              <a:solidFill>
+                <a:srgbClr val="FFFFFF"/>
+              </a:solidFill>
+              <a:latin typeface="Varela Round"/>
+              <a:ea typeface="Varela Round"/>
+              <a:cs typeface="Varela Round"/>
+              <a:sym typeface="Varela Round"/>
+            </a:endParaRPr>
+          </a:p>
+          <a:p>
+            <a:pPr indent="0" lvl="0" marL="0" rtl="0" algn="ctr">
+              <a:spcBef>
+                <a:spcPts val="0"/>
+              </a:spcBef>
+              <a:spcAft>
+                <a:spcPts val="0"/>
+              </a:spcAft>
+              <a:buNone/>
+            </a:pPr>
+            <a:r>
+              <a:rPr b="1" lang="en">
+                <a:solidFill>
+                  <a:srgbClr val="FFFFFF"/>
+                </a:solidFill>
+                <a:latin typeface="Varela Round"/>
+                <a:ea typeface="Varela Round"/>
+                <a:cs typeface="Varela Round"/>
+                <a:sym typeface="Varela Round"/>
+              </a:rPr>
+              <a:t>Best Sellers</a:t>
+            </a:r>
+            <a:endParaRPr b="1">
+              <a:solidFill>
+                <a:srgbClr val="FFFFFF"/>
+              </a:solidFill>
+              <a:latin typeface="Varela Round"/>
+              <a:ea typeface="Varela Round"/>
+              <a:cs typeface="Varela Round"/>
+              <a:sym typeface="Varela Round"/>
+            </a:endParaRPr>
+          </a:p>
+        </p:txBody>
+      </p:sp>
+      <p:sp>
+        <p:nvSpPr>
+          <p:cNvPr id="294" name="Google Shape;294;p26"/>
+          <p:cNvSpPr/>
+          <p:nvPr/>
+        </p:nvSpPr>
+        <p:spPr>
+          <a:xfrm>
+            <a:off x="5188124" y="1532250"/>
+            <a:ext cx="1948500" cy="1917300"/>
+          </a:xfrm>
+          <a:prstGeom prst="ellipse">
+            <a:avLst/>
+          </a:prstGeom>
+          <a:solidFill>
+            <a:srgbClr val="00D1C6">
+              <a:alpha val="86920"/>
+            </a:srgbClr>
+          </a:solidFill>
+          <a:ln>
+            <a:noFill/>
+          </a:ln>
+        </p:spPr>
+        <p:txBody>
+          <a:bodyPr anchorCtr="0" anchor="ctr" bIns="91425" lIns="91425" spcFirstLastPara="1" rIns="91425" wrap="square" tIns="91425">
+            <a:noAutofit/>
+          </a:bodyPr>
+          <a:lstStyle/>
+          <a:p>
+            <a:pPr indent="0" lvl="0" marL="0" rtl="0" algn="ctr">
+              <a:spcBef>
+                <a:spcPts val="0"/>
+              </a:spcBef>
+              <a:spcAft>
+                <a:spcPts val="0"/>
+              </a:spcAft>
+              <a:buNone/>
+            </a:pPr>
+            <a:r>
+              <a:rPr b="1" lang="en">
+                <a:solidFill>
+                  <a:srgbClr val="FFFFFF"/>
+                </a:solidFill>
+                <a:latin typeface="Varela Round"/>
+                <a:ea typeface="Varela Round"/>
+                <a:cs typeface="Varela Round"/>
+                <a:sym typeface="Varela Round"/>
+              </a:rPr>
+              <a:t>M4</a:t>
+            </a:r>
+            <a:endParaRPr b="1">
+              <a:solidFill>
+                <a:srgbClr val="FFFFFF"/>
+              </a:solidFill>
+              <a:latin typeface="Varela Round"/>
+              <a:ea typeface="Varela Round"/>
+              <a:cs typeface="Varela Round"/>
+              <a:sym typeface="Varela Round"/>
+            </a:endParaRPr>
+          </a:p>
+          <a:p>
+            <a:pPr indent="0" lvl="0" marL="0" rtl="0" algn="ctr">
+              <a:spcBef>
+                <a:spcPts val="0"/>
+              </a:spcBef>
+              <a:spcAft>
+                <a:spcPts val="0"/>
+              </a:spcAft>
+              <a:buNone/>
+            </a:pPr>
+            <a:r>
+              <a:rPr b="1" lang="en">
+                <a:solidFill>
+                  <a:srgbClr val="FFFFFF"/>
+                </a:solidFill>
+                <a:latin typeface="Varela Round"/>
+                <a:ea typeface="Varela Round"/>
+                <a:cs typeface="Varela Round"/>
+                <a:sym typeface="Varela Round"/>
+              </a:rPr>
+              <a:t>User Auth</a:t>
+            </a:r>
+            <a:endParaRPr b="1">
+              <a:solidFill>
+                <a:srgbClr val="FFFFFF"/>
+              </a:solidFill>
+              <a:latin typeface="Varela Round"/>
+              <a:ea typeface="Varela Round"/>
+              <a:cs typeface="Varela Round"/>
+              <a:sym typeface="Varela Round"/>
+            </a:endParaRPr>
+          </a:p>
+          <a:p>
+            <a:pPr indent="0" lvl="0" marL="0" rtl="0" algn="ctr">
+              <a:spcBef>
+                <a:spcPts val="0"/>
+              </a:spcBef>
+              <a:spcAft>
+                <a:spcPts val="0"/>
+              </a:spcAft>
+              <a:buNone/>
+            </a:pPr>
+            <a:r>
+              <a:rPr b="1" lang="en">
+                <a:solidFill>
+                  <a:srgbClr val="FFFFFF"/>
+                </a:solidFill>
+                <a:latin typeface="Varela Round"/>
+                <a:ea typeface="Varela Round"/>
+                <a:cs typeface="Varela Round"/>
+                <a:sym typeface="Varela Round"/>
+              </a:rPr>
+              <a:t>Order Summary</a:t>
+            </a:r>
+            <a:endParaRPr b="1">
+              <a:solidFill>
+                <a:srgbClr val="FFFFFF"/>
+              </a:solidFill>
+              <a:latin typeface="Varela Round"/>
+              <a:ea typeface="Varela Round"/>
+              <a:cs typeface="Varela Round"/>
+              <a:sym typeface="Varela Round"/>
+            </a:endParaRPr>
+          </a:p>
+        </p:txBody>
+      </p:sp>
+      <p:sp>
+        <p:nvSpPr>
+          <p:cNvPr id="295" name="Google Shape;295;p26"/>
+          <p:cNvSpPr/>
+          <p:nvPr/>
+        </p:nvSpPr>
+        <p:spPr>
+          <a:xfrm>
+            <a:off x="6676074" y="1532250"/>
+            <a:ext cx="1948500" cy="1917300"/>
+          </a:xfrm>
+          <a:prstGeom prst="ellipse">
+            <a:avLst/>
+          </a:prstGeom>
+          <a:solidFill>
+            <a:srgbClr val="E8004C">
+              <a:alpha val="86670"/>
+            </a:srgbClr>
+          </a:solidFill>
+          <a:ln>
+            <a:noFill/>
+          </a:ln>
+        </p:spPr>
+        <p:txBody>
+          <a:bodyPr anchorCtr="0" anchor="ctr" bIns="91425" lIns="91425" spcFirstLastPara="1" rIns="91425" wrap="square" tIns="91425">
+            <a:noAutofit/>
+          </a:bodyPr>
+          <a:lstStyle/>
+          <a:p>
+            <a:pPr indent="0" lvl="0" marL="0" rtl="0" algn="ctr">
+              <a:spcBef>
+                <a:spcPts val="0"/>
+              </a:spcBef>
+              <a:spcAft>
+                <a:spcPts val="0"/>
+              </a:spcAft>
+              <a:buNone/>
+            </a:pPr>
+            <a:r>
+              <a:rPr b="1" lang="en">
+                <a:solidFill>
+                  <a:srgbClr val="FFFFFF"/>
+                </a:solidFill>
+                <a:latin typeface="Varela Round"/>
+                <a:ea typeface="Varela Round"/>
+                <a:cs typeface="Varela Round"/>
+                <a:sym typeface="Varela Round"/>
+              </a:rPr>
+              <a:t>M5</a:t>
+            </a:r>
+            <a:endParaRPr b="1">
+              <a:solidFill>
+                <a:srgbClr val="FFFFFF"/>
+              </a:solidFill>
+              <a:latin typeface="Varela Round"/>
+              <a:ea typeface="Varela Round"/>
+              <a:cs typeface="Varela Round"/>
+              <a:sym typeface="Varela Round"/>
+            </a:endParaRPr>
+          </a:p>
+          <a:p>
+            <a:pPr indent="0" lvl="0" marL="0" rtl="0" algn="ctr">
+              <a:spcBef>
+                <a:spcPts val="0"/>
+              </a:spcBef>
+              <a:spcAft>
+                <a:spcPts val="0"/>
+              </a:spcAft>
+              <a:buNone/>
+            </a:pPr>
+            <a:r>
+              <a:rPr b="1" lang="en">
+                <a:solidFill>
+                  <a:srgbClr val="FFFFFF"/>
+                </a:solidFill>
+                <a:latin typeface="Varela Round"/>
+                <a:ea typeface="Varela Round"/>
+                <a:cs typeface="Varela Round"/>
+                <a:sym typeface="Varela Round"/>
+              </a:rPr>
+              <a:t>Checkout/Payment</a:t>
+            </a:r>
+            <a:endParaRPr b="1">
+              <a:solidFill>
+                <a:srgbClr val="FFFFFF"/>
+              </a:solidFill>
+              <a:latin typeface="Varela Round"/>
+              <a:ea typeface="Varela Round"/>
+              <a:cs typeface="Varela Round"/>
+              <a:sym typeface="Varela Round"/>
+            </a:endParaRPr>
+          </a:p>
+        </p:txBody>
+      </p:sp>
+    </p:spTree>
+  </p:cSld>
+  <p:clrMapOvr>
+    <a:masterClrMapping/>
+  </p:clrMapOvr>
+</p:sld>
+</file>
+
+<file path=ppt/slides/slide15.xml><?xml version="1.0" encoding="utf-8"?>
+<p:sld xmlns:a="http://schemas.openxmlformats.org/drawingml/2006/main" xmlns:r="http://schemas.openxmlformats.org/officeDocument/2006/relationships" xmlns:mc="http://schemas.openxmlformats.org/markup-compatibility/2006" xmlns:mv="urn:schemas-microsoft-com:mac:vml" xmlns:p="http://schemas.openxmlformats.org/presentationml/2006/main" xmlns:c="http://schemas.openxmlformats.org/drawingml/2006/chart" xmlns:dgm="http://schemas.openxmlformats.org/drawingml/2006/diagram" xmlns:o="urn:schemas-microsoft-com:office:office" xmlns:v="urn:schemas-microsoft-com:vml" xmlns:pvml="urn:schemas-microsoft-com:office:powerpoint" xmlns:com="http://schemas.openxmlformats.org/drawingml/2006/compatibility" xmlns:p14="http://schemas.microsoft.com/office/powerpoint/2010/main" xmlns:p15="http://schemas.microsoft.com/office/powerpoint/2012/main" xmlns:ahyp="http://schemas.microsoft.com/office/drawing/2018/hyperlinkcolor">
+  <p:cSld>
+    <p:spTree>
+      <p:nvGrpSpPr>
+        <p:cNvPr id="299" name="Shape 299"/>
+        <p:cNvGrpSpPr/>
+        <p:nvPr/>
+      </p:nvGrpSpPr>
+      <p:grpSpPr>
+        <a:xfrm>
+          <a:off x="0" y="0"/>
+          <a:ext cx="0" cy="0"/>
+          <a:chOff x="0" y="0"/>
+          <a:chExt cx="0" cy="0"/>
+        </a:xfrm>
+      </p:grpSpPr>
+      <p:sp>
+        <p:nvSpPr>
+          <p:cNvPr id="300" name="Google Shape;300;p27"/>
+          <p:cNvSpPr txBox="1"/>
+          <p:nvPr>
+            <p:ph idx="1" type="body"/>
+          </p:nvPr>
+        </p:nvSpPr>
+        <p:spPr>
+          <a:xfrm>
+            <a:off x="1112400" y="1920300"/>
+            <a:ext cx="7026900" cy="2079600"/>
+          </a:xfrm>
+          <a:prstGeom prst="rect">
+            <a:avLst/>
+          </a:prstGeom>
+        </p:spPr>
+        <p:txBody>
+          <a:bodyPr anchorCtr="0" anchor="t" bIns="91425" lIns="91425" spcFirstLastPara="1" rIns="91425" wrap="square" tIns="91425">
+            <a:noAutofit/>
+          </a:bodyPr>
+          <a:lstStyle/>
+          <a:p>
+            <a:pPr indent="0" lvl="0" marL="0" rtl="0" algn="ctr">
+              <a:spcBef>
+                <a:spcPts val="600"/>
+              </a:spcBef>
+              <a:spcAft>
+                <a:spcPts val="0"/>
+              </a:spcAft>
+              <a:buNone/>
+            </a:pPr>
+            <a:r>
+              <a:rPr lang="en"/>
+              <a:t>Treehouse Feedback:</a:t>
+            </a:r>
+            <a:endParaRPr/>
+          </a:p>
+          <a:p>
+            <a:pPr indent="-342900" lvl="0" marL="457200" rtl="0" algn="l">
+              <a:spcBef>
+                <a:spcPts val="600"/>
+              </a:spcBef>
+              <a:spcAft>
+                <a:spcPts val="0"/>
+              </a:spcAft>
+              <a:buSzPts val="1800"/>
+              <a:buChar char="◎"/>
+            </a:pPr>
+            <a:r>
+              <a:rPr lang="en" sz="1800"/>
+              <a:t>Web app is running and looks neat</a:t>
+            </a:r>
+            <a:endParaRPr sz="1800"/>
+          </a:p>
+          <a:p>
+            <a:pPr indent="-342900" lvl="0" marL="457200" rtl="0" algn="l">
+              <a:spcBef>
+                <a:spcPts val="0"/>
+              </a:spcBef>
+              <a:spcAft>
+                <a:spcPts val="0"/>
+              </a:spcAft>
+              <a:buSzPts val="1800"/>
+              <a:buChar char="◎"/>
+            </a:pPr>
+            <a:r>
+              <a:rPr lang="en" sz="1800"/>
+              <a:t>I</a:t>
+            </a:r>
+            <a:r>
+              <a:rPr lang="en" sz="1800"/>
+              <a:t>s the search function under development?</a:t>
+            </a:r>
+            <a:endParaRPr sz="1800"/>
+          </a:p>
+          <a:p>
+            <a:pPr indent="-342900" lvl="0" marL="457200" rtl="0" algn="l">
+              <a:spcBef>
+                <a:spcPts val="0"/>
+              </a:spcBef>
+              <a:spcAft>
+                <a:spcPts val="0"/>
+              </a:spcAft>
+              <a:buSzPts val="1800"/>
+              <a:buChar char="◎"/>
+            </a:pPr>
+            <a:r>
+              <a:rPr lang="en" sz="1800"/>
+              <a:t>Is there a way to embed the video in the webpage itself rather than linking it to vimeo?</a:t>
+            </a:r>
+            <a:endParaRPr sz="1800"/>
+          </a:p>
+          <a:p>
+            <a:pPr indent="-342900" lvl="0" marL="457200" rtl="0" algn="l">
+              <a:spcBef>
+                <a:spcPts val="0"/>
+              </a:spcBef>
+              <a:spcAft>
+                <a:spcPts val="0"/>
+              </a:spcAft>
+              <a:buSzPts val="1800"/>
+              <a:buChar char="◎"/>
+            </a:pPr>
+            <a:r>
+              <a:rPr lang="en" sz="1800"/>
+              <a:t>Is the loading icon at the top of the home page something to be fixed soon?</a:t>
+            </a:r>
+            <a:endParaRPr sz="1800"/>
+          </a:p>
+          <a:p>
+            <a:pPr indent="0" lvl="0" marL="457200" rtl="0" algn="l">
+              <a:spcBef>
+                <a:spcPts val="600"/>
+              </a:spcBef>
+              <a:spcAft>
+                <a:spcPts val="0"/>
+              </a:spcAft>
+              <a:buNone/>
+            </a:pPr>
+            <a:r>
+              <a:t/>
+            </a:r>
+            <a:endParaRPr sz="1800"/>
+          </a:p>
+        </p:txBody>
+      </p:sp>
+      <p:sp>
+        <p:nvSpPr>
+          <p:cNvPr id="301" name="Google Shape;301;p27"/>
+          <p:cNvSpPr txBox="1"/>
+          <p:nvPr>
+            <p:ph idx="12" type="sldNum"/>
+          </p:nvPr>
+        </p:nvSpPr>
+        <p:spPr>
+          <a:xfrm>
+            <a:off x="4337100" y="4751625"/>
+            <a:ext cx="469800" cy="391500"/>
+          </a:xfrm>
+          <a:prstGeom prst="rect">
+            <a:avLst/>
+          </a:prstGeom>
+        </p:spPr>
+        <p:txBody>
+          <a:bodyPr anchorCtr="0" anchor="t" bIns="91425" lIns="91425" spcFirstLastPara="1" rIns="91425" wrap="square" tIns="91425">
+            <a:noAutofit/>
+          </a:bodyPr>
+          <a:lstStyle/>
+          <a:p>
+            <a:pPr indent="0" lvl="0" marL="0" rtl="0" algn="ctr">
+              <a:spcBef>
+                <a:spcPts val="0"/>
+              </a:spcBef>
+              <a:spcAft>
+                <a:spcPts val="0"/>
+              </a:spcAft>
+              <a:buNone/>
+            </a:pPr>
+            <a:fld id="{00000000-1234-1234-1234-123412341234}" type="slidenum">
+              <a:rPr lang="en"/>
+              <a:t>‹#›</a:t>
+            </a:fld>
+            <a:endParaRPr/>
+          </a:p>
+        </p:txBody>
+      </p:sp>
+    </p:spTree>
+  </p:cSld>
+  <p:clrMapOvr>
+    <a:masterClrMapping/>
+  </p:clrMapOvr>
+</p:sld>
+</file>
+
+<file path=ppt/slides/slide16.xml><?xml version="1.0" encoding="utf-8"?>
+<p:sld xmlns:a="http://schemas.openxmlformats.org/drawingml/2006/main" xmlns:r="http://schemas.openxmlformats.org/officeDocument/2006/relationships" xmlns:mc="http://schemas.openxmlformats.org/markup-compatibility/2006" xmlns:mv="urn:schemas-microsoft-com:mac:vml" xmlns:p="http://schemas.openxmlformats.org/presentationml/2006/main" xmlns:c="http://schemas.openxmlformats.org/drawingml/2006/chart" xmlns:dgm="http://schemas.openxmlformats.org/drawingml/2006/diagram" xmlns:o="urn:schemas-microsoft-com:office:office" xmlns:v="urn:schemas-microsoft-com:vml" xmlns:pvml="urn:schemas-microsoft-com:office:powerpoint" xmlns:com="http://schemas.openxmlformats.org/drawingml/2006/compatibility" xmlns:p14="http://schemas.microsoft.com/office/powerpoint/2010/main" xmlns:p15="http://schemas.microsoft.com/office/powerpoint/2012/main" xmlns:ahyp="http://schemas.microsoft.com/office/drawing/2018/hyperlinkcolor">
+  <p:cSld>
+    <p:spTree>
+      <p:nvGrpSpPr>
+        <p:cNvPr id="305" name="Shape 305"/>
+        <p:cNvGrpSpPr/>
+        <p:nvPr/>
+      </p:nvGrpSpPr>
+      <p:grpSpPr>
+        <a:xfrm>
+          <a:off x="0" y="0"/>
+          <a:ext cx="0" cy="0"/>
+          <a:chOff x="0" y="0"/>
+          <a:chExt cx="0" cy="0"/>
+        </a:xfrm>
+      </p:grpSpPr>
+      <p:sp>
+        <p:nvSpPr>
+          <p:cNvPr id="306" name="Google Shape;306;p28"/>
+          <p:cNvSpPr txBox="1"/>
+          <p:nvPr>
+            <p:ph idx="1" type="body"/>
+          </p:nvPr>
+        </p:nvSpPr>
+        <p:spPr>
+          <a:xfrm>
+            <a:off x="1880850" y="1920300"/>
+            <a:ext cx="5382300" cy="2079600"/>
+          </a:xfrm>
+          <a:prstGeom prst="rect">
+            <a:avLst/>
+          </a:prstGeom>
+        </p:spPr>
+        <p:txBody>
+          <a:bodyPr anchorCtr="0" anchor="t" bIns="91425" lIns="91425" spcFirstLastPara="1" rIns="91425" wrap="square" tIns="91425">
+            <a:noAutofit/>
+          </a:bodyPr>
+          <a:lstStyle/>
+          <a:p>
+            <a:pPr indent="0" lvl="0" marL="0" rtl="0" algn="ctr">
+              <a:spcBef>
+                <a:spcPts val="600"/>
+              </a:spcBef>
+              <a:spcAft>
+                <a:spcPts val="0"/>
+              </a:spcAft>
+              <a:buNone/>
+            </a:pPr>
+            <a:r>
+              <a:rPr lang="en"/>
+              <a:t>Treehouse</a:t>
+            </a:r>
+            <a:r>
+              <a:rPr lang="en"/>
+              <a:t> Feedback Response:</a:t>
+            </a:r>
+            <a:endParaRPr/>
+          </a:p>
+          <a:p>
+            <a:pPr indent="-342900" lvl="0" marL="457200" rtl="0" algn="l">
+              <a:spcBef>
+                <a:spcPts val="600"/>
+              </a:spcBef>
+              <a:spcAft>
+                <a:spcPts val="0"/>
+              </a:spcAft>
+              <a:buSzPts val="1800"/>
+              <a:buChar char="●"/>
+            </a:pPr>
+            <a:r>
+              <a:rPr lang="en" sz="1800"/>
+              <a:t>Loading icon will be replaced with an image</a:t>
+            </a:r>
+            <a:endParaRPr sz="1800"/>
+          </a:p>
+          <a:p>
+            <a:pPr indent="-342900" lvl="0" marL="457200" rtl="0" algn="l">
+              <a:spcBef>
+                <a:spcPts val="0"/>
+              </a:spcBef>
+              <a:spcAft>
+                <a:spcPts val="0"/>
+              </a:spcAft>
+              <a:buSzPts val="1800"/>
+              <a:buChar char="●"/>
+            </a:pPr>
+            <a:r>
+              <a:rPr lang="en" sz="1800"/>
+              <a:t>Search feature is part of the future scope</a:t>
+            </a:r>
+            <a:endParaRPr sz="1800"/>
+          </a:p>
+          <a:p>
+            <a:pPr indent="-342900" lvl="0" marL="457200" rtl="0" algn="l">
+              <a:spcBef>
+                <a:spcPts val="0"/>
+              </a:spcBef>
+              <a:spcAft>
+                <a:spcPts val="0"/>
+              </a:spcAft>
+              <a:buSzPts val="1800"/>
+              <a:buChar char="●"/>
+            </a:pPr>
+            <a:r>
+              <a:rPr lang="en" sz="1800"/>
+              <a:t>The vimeo video isn’t loading because its from the template but will be fixed.</a:t>
+            </a:r>
+            <a:endParaRPr sz="1800"/>
+          </a:p>
+        </p:txBody>
+      </p:sp>
+      <p:sp>
+        <p:nvSpPr>
+          <p:cNvPr id="307" name="Google Shape;307;p28"/>
+          <p:cNvSpPr txBox="1"/>
+          <p:nvPr>
+            <p:ph idx="12" type="sldNum"/>
+          </p:nvPr>
+        </p:nvSpPr>
+        <p:spPr>
+          <a:xfrm>
+            <a:off x="4337100" y="4751625"/>
+            <a:ext cx="469800" cy="391500"/>
+          </a:xfrm>
+          <a:prstGeom prst="rect">
+            <a:avLst/>
+          </a:prstGeom>
+        </p:spPr>
+        <p:txBody>
+          <a:bodyPr anchorCtr="0" anchor="t" bIns="91425" lIns="91425" spcFirstLastPara="1" rIns="91425" wrap="square" tIns="91425">
+            <a:noAutofit/>
+          </a:bodyPr>
+          <a:lstStyle/>
+          <a:p>
+            <a:pPr indent="0" lvl="0" marL="0" rtl="0" algn="ctr">
+              <a:spcBef>
+                <a:spcPts val="0"/>
+              </a:spcBef>
+              <a:spcAft>
+                <a:spcPts val="0"/>
+              </a:spcAft>
+              <a:buNone/>
+            </a:pPr>
+            <a:fld id="{00000000-1234-1234-1234-123412341234}" type="slidenum">
+              <a:rPr lang="en"/>
+              <a:t>‹#›</a:t>
+            </a:fld>
+            <a:endParaRPr/>
+          </a:p>
+        </p:txBody>
+      </p:sp>
+    </p:spTree>
+  </p:cSld>
+  <p:clrMapOvr>
+    <a:masterClrMapping/>
+  </p:clrMapOvr>
+</p:sld>
+</file>
+
+<file path=ppt/slides/slide17.xml><?xml version="1.0" encoding="utf-8"?>
+<p:sld xmlns:a="http://schemas.openxmlformats.org/drawingml/2006/main" xmlns:r="http://schemas.openxmlformats.org/officeDocument/2006/relationships" xmlns:mc="http://schemas.openxmlformats.org/markup-compatibility/2006" xmlns:mv="urn:schemas-microsoft-com:mac:vml" xmlns:p="http://schemas.openxmlformats.org/presentationml/2006/main" xmlns:c="http://schemas.openxmlformats.org/drawingml/2006/chart" xmlns:dgm="http://schemas.openxmlformats.org/drawingml/2006/diagram" xmlns:o="urn:schemas-microsoft-com:office:office" xmlns:v="urn:schemas-microsoft-com:vml" xmlns:pvml="urn:schemas-microsoft-com:office:powerpoint" xmlns:com="http://schemas.openxmlformats.org/drawingml/2006/compatibility" xmlns:p14="http://schemas.microsoft.com/office/powerpoint/2010/main" xmlns:p15="http://schemas.microsoft.com/office/powerpoint/2012/main" xmlns:ahyp="http://schemas.microsoft.com/office/drawing/2018/hyperlinkcolor">
+  <p:cSld>
+    <p:spTree>
+      <p:nvGrpSpPr>
+        <p:cNvPr id="311" name="Shape 311"/>
+        <p:cNvGrpSpPr/>
+        <p:nvPr/>
+      </p:nvGrpSpPr>
+      <p:grpSpPr>
+        <a:xfrm>
+          <a:off x="0" y="0"/>
+          <a:ext cx="0" cy="0"/>
+          <a:chOff x="0" y="0"/>
+          <a:chExt cx="0" cy="0"/>
+        </a:xfrm>
+      </p:grpSpPr>
+      <p:sp>
+        <p:nvSpPr>
+          <p:cNvPr id="312" name="Google Shape;312;p29"/>
           <p:cNvSpPr txBox="1"/>
           <p:nvPr>
             <p:ph idx="4294967295" type="ctrTitle"/>
@@ -13571,7 +15285,7 @@
       </p:sp>
       <p:sp>
         <p:nvSpPr>
-          <p:cNvPr id="281" name="Google Shape;281;p24"/>
+          <p:cNvPr id="313" name="Google Shape;313;p29"/>
           <p:cNvSpPr/>
           <p:nvPr/>
         </p:nvSpPr>
@@ -14395,7 +16109,7 @@
       </p:sp>
       <p:sp>
         <p:nvSpPr>
-          <p:cNvPr id="282" name="Google Shape;282;p24"/>
+          <p:cNvPr id="314" name="Google Shape;314;p29"/>
           <p:cNvSpPr txBox="1"/>
           <p:nvPr>
             <p:ph idx="12" type="sldNum"/>
@@ -15095,7 +16809,7 @@
         </p:nvSpPr>
         <p:spPr>
           <a:xfrm>
-            <a:off x="4196701" y="2551775"/>
+            <a:off x="4093701" y="2561650"/>
             <a:ext cx="863700" cy="118200"/>
           </a:xfrm>
           <a:prstGeom prst="rightArrow">
@@ -15141,8 +16855,8 @@
         </p:nvSpPr>
         <p:spPr>
           <a:xfrm>
-            <a:off x="4133317" y="4187450"/>
-            <a:ext cx="927000" cy="118200"/>
+            <a:off x="4133324" y="4187450"/>
+            <a:ext cx="863700" cy="118200"/>
           </a:xfrm>
           <a:prstGeom prst="rightArrow">
             <a:avLst>
@@ -15187,8 +16901,8 @@
         </p:nvSpPr>
         <p:spPr>
           <a:xfrm>
-            <a:off x="5258424" y="2303075"/>
-            <a:ext cx="3478200" cy="615600"/>
+            <a:off x="5258425" y="1744475"/>
+            <a:ext cx="3478200" cy="1477500"/>
           </a:xfrm>
           <a:prstGeom prst="rect">
             <a:avLst/>
@@ -15226,7 +16940,7 @@
                 <a:cs typeface="Source Code Pro"/>
                 <a:sym typeface="Source Code Pro"/>
               </a:rPr>
-              <a:t>Seller Page</a:t>
+              <a:t>Static Seller page (completed)</a:t>
             </a:r>
             <a:endParaRPr>
               <a:latin typeface="Source Code Pro"/>
@@ -15254,7 +16968,7 @@
                 <a:cs typeface="Source Code Pro"/>
                 <a:sym typeface="Source Code Pro"/>
               </a:rPr>
-              <a:t>Product Listing Page</a:t>
+              <a:t>Integration of APIs into seller page (In progress)</a:t>
             </a:r>
             <a:endParaRPr>
               <a:latin typeface="Source Code Pro"/>
@@ -15263,6 +16977,34 @@
               <a:sym typeface="Source Code Pro"/>
             </a:endParaRPr>
           </a:p>
+          <a:p>
+            <a:pPr indent="-317500" lvl="0" marL="457200" rtl="0" algn="l">
+              <a:spcBef>
+                <a:spcPts val="0"/>
+              </a:spcBef>
+              <a:spcAft>
+                <a:spcPts val="0"/>
+              </a:spcAft>
+              <a:buSzPts val="1400"/>
+              <a:buFont typeface="Source Code Pro"/>
+              <a:buChar char="●"/>
+            </a:pPr>
+            <a:r>
+              <a:rPr lang="en">
+                <a:latin typeface="Source Code Pro"/>
+                <a:ea typeface="Source Code Pro"/>
+                <a:cs typeface="Source Code Pro"/>
+                <a:sym typeface="Source Code Pro"/>
+              </a:rPr>
+              <a:t>Static Product Listing Page (completed)</a:t>
+            </a:r>
+            <a:endParaRPr>
+              <a:latin typeface="Source Code Pro"/>
+              <a:ea typeface="Source Code Pro"/>
+              <a:cs typeface="Source Code Pro"/>
+              <a:sym typeface="Source Code Pro"/>
+            </a:endParaRPr>
+          </a:p>
         </p:txBody>
       </p:sp>
       <p:sp>
@@ -15273,8 +17015,8 @@
         </p:nvSpPr>
         <p:spPr>
           <a:xfrm>
-            <a:off x="5258424" y="3827475"/>
-            <a:ext cx="3478200" cy="831300"/>
+            <a:off x="5258424" y="3420600"/>
+            <a:ext cx="3478200" cy="1585500"/>
           </a:xfrm>
           <a:prstGeom prst="rect">
             <a:avLst/>
@@ -15294,19 +17036,19 @@
           </a:bodyPr>
           <a:lstStyle/>
           <a:p>
-            <a:pPr indent="-317500" lvl="0" marL="457200" rtl="0" algn="l">
-              <a:spcBef>
-                <a:spcPts val="0"/>
-              </a:spcBef>
-              <a:spcAft>
-                <a:spcPts val="0"/>
-              </a:spcAft>
-              <a:buSzPts val="1400"/>
+            <a:pPr indent="-311150" lvl="0" marL="457200" rtl="0" algn="l">
+              <a:spcBef>
+                <a:spcPts val="0"/>
+              </a:spcBef>
+              <a:spcAft>
+                <a:spcPts val="0"/>
+              </a:spcAft>
+              <a:buSzPts val="1300"/>
               <a:buFont typeface="Source Code Pro"/>
               <a:buChar char="●"/>
             </a:pPr>
             <a:r>
-              <a:rPr lang="en">
+              <a:rPr lang="en" sz="1300">
                 <a:latin typeface="Source Code Pro"/>
                 <a:ea typeface="Source Code Pro"/>
                 <a:cs typeface="Source Code Pro"/>
@@ -15314,7 +17056,7 @@
               </a:rPr>
               <a:t>Backend APIs have been setup</a:t>
             </a:r>
-            <a:endParaRPr>
+            <a:endParaRPr sz="1300">
               <a:latin typeface="Source Code Pro"/>
               <a:ea typeface="Source Code Pro"/>
               <a:cs typeface="Source Code Pro"/>
@@ -15322,27 +17064,83 @@
             </a:endParaRPr>
           </a:p>
           <a:p>
-            <a:pPr indent="-317500" lvl="0" marL="457200" rtl="0" algn="l">
-              <a:spcBef>
-                <a:spcPts val="0"/>
-              </a:spcBef>
-              <a:spcAft>
-                <a:spcPts val="0"/>
-              </a:spcAft>
-              <a:buSzPts val="1400"/>
+            <a:pPr indent="-311150" lvl="0" marL="457200" rtl="0" algn="l">
+              <a:spcBef>
+                <a:spcPts val="0"/>
+              </a:spcBef>
+              <a:spcAft>
+                <a:spcPts val="0"/>
+              </a:spcAft>
+              <a:buSzPts val="1300"/>
               <a:buFont typeface="Source Code Pro"/>
               <a:buChar char="●"/>
             </a:pPr>
             <a:r>
-              <a:rPr lang="en">
+              <a:rPr lang="en" sz="1300">
                 <a:latin typeface="Source Code Pro"/>
                 <a:ea typeface="Source Code Pro"/>
                 <a:cs typeface="Source Code Pro"/>
                 <a:sym typeface="Source Code Pro"/>
               </a:rPr>
-              <a:t>Product Listing API </a:t>
-            </a:r>
-            <a:endParaRPr>
+              <a:t>Product Listing API (completed)</a:t>
+            </a:r>
+            <a:endParaRPr sz="1300">
+              <a:latin typeface="Source Code Pro"/>
+              <a:ea typeface="Source Code Pro"/>
+              <a:cs typeface="Source Code Pro"/>
+              <a:sym typeface="Source Code Pro"/>
+            </a:endParaRPr>
+          </a:p>
+          <a:p>
+            <a:pPr indent="-311150" lvl="0" marL="457200" rtl="0" algn="l">
+              <a:spcBef>
+                <a:spcPts val="0"/>
+              </a:spcBef>
+              <a:spcAft>
+                <a:spcPts val="0"/>
+              </a:spcAft>
+              <a:buSzPts val="1300"/>
+              <a:buFont typeface="Source Code Pro"/>
+              <a:buChar char="●"/>
+            </a:pPr>
+            <a:r>
+              <a:rPr lang="en" sz="1300">
+                <a:latin typeface="Source Code Pro"/>
+                <a:ea typeface="Source Code Pro"/>
+                <a:cs typeface="Source Code Pro"/>
+                <a:sym typeface="Source Code Pro"/>
+              </a:rPr>
+              <a:t>Seller Page APIs (completed)</a:t>
+            </a:r>
+            <a:endParaRPr sz="1300">
+              <a:latin typeface="Source Code Pro"/>
+              <a:ea typeface="Source Code Pro"/>
+              <a:cs typeface="Source Code Pro"/>
+              <a:sym typeface="Source Code Pro"/>
+            </a:endParaRPr>
+          </a:p>
+          <a:p>
+            <a:pPr indent="-311150" lvl="0" marL="457200" rtl="0" algn="l">
+              <a:spcBef>
+                <a:spcPts val="0"/>
+              </a:spcBef>
+              <a:spcAft>
+                <a:spcPts val="0"/>
+              </a:spcAft>
+              <a:buSzPts val="1300"/>
+              <a:buFont typeface="Source Code Pro"/>
+              <a:buChar char="●"/>
+            </a:pPr>
+            <a:r>
+              <a:rPr lang="en" sz="1300">
+                <a:latin typeface="Source Code Pro"/>
+                <a:ea typeface="Source Code Pro"/>
+                <a:cs typeface="Source Code Pro"/>
+                <a:sym typeface="Source Code Pro"/>
+              </a:rPr>
+              <a:t>Individual Product Page, Wishlist, Shopping Cart APIs (In progress)</a:t>
+            </a:r>
+            <a:endParaRPr sz="1300">
               <a:latin typeface="Source Code Pro"/>
               <a:ea typeface="Source Code Pro"/>
               <a:cs typeface="Source Code Pro"/>
@@ -15387,7 +17185,7 @@
         <p:spPr>
           <a:xfrm>
             <a:off x="2935875" y="909050"/>
-            <a:ext cx="5275500" cy="641100"/>
+            <a:ext cx="5444700" cy="641100"/>
           </a:xfrm>
           <a:prstGeom prst="rect">
             <a:avLst/>
@@ -15410,7 +17208,11 @@
             </a:pPr>
             <a:r>
               <a:rPr lang="en" sz="3000"/>
-              <a:t>Seller Page (In-Progress)</a:t>
+              <a:t>Static </a:t>
+            </a:r>
+            <a:r>
+              <a:rPr lang="en" sz="3000"/>
+              <a:t>Seller Page (Completed)</a:t>
             </a:r>
             <a:endParaRPr sz="3000"/>
           </a:p>
@@ -15472,8 +17274,8 @@
         </p:blipFill>
         <p:spPr>
           <a:xfrm>
-            <a:off x="1046075" y="1550150"/>
-            <a:ext cx="8059361" cy="3288550"/>
+            <a:off x="2769125" y="1612650"/>
+            <a:ext cx="4937646" cy="3288549"/>
           </a:xfrm>
           <a:prstGeom prst="rect">
             <a:avLst/>
@@ -15520,7 +17322,7 @@
         <p:spPr>
           <a:xfrm>
             <a:off x="2935875" y="909050"/>
-            <a:ext cx="5275500" cy="641100"/>
+            <a:ext cx="5444700" cy="641100"/>
           </a:xfrm>
           <a:prstGeom prst="rect">
             <a:avLst/>
@@ -15543,7 +17345,7 @@
             </a:pPr>
             <a:r>
               <a:rPr lang="en" sz="3000"/>
-              <a:t>Product Listing </a:t>
+              <a:t>Static Seller Page (Completed)</a:t>
             </a:r>
             <a:endParaRPr sz="3000"/>
           </a:p>
@@ -15605,8 +17407,8 @@
         </p:blipFill>
         <p:spPr>
           <a:xfrm>
-            <a:off x="3503550" y="1550150"/>
-            <a:ext cx="3807307" cy="3288550"/>
+            <a:off x="1986800" y="1612625"/>
+            <a:ext cx="6834473" cy="3288550"/>
           </a:xfrm>
           <a:prstGeom prst="rect">
             <a:avLst/>
@@ -15652,7 +17454,7 @@
         </p:nvSpPr>
         <p:spPr>
           <a:xfrm>
-            <a:off x="2935875" y="909050"/>
+            <a:off x="2899925" y="432475"/>
             <a:ext cx="5275500" cy="641100"/>
           </a:xfrm>
           <a:prstGeom prst="rect">
@@ -15675,129 +17477,16 @@
               <a:buNone/>
             </a:pPr>
             <a:r>
-              <a:rPr lang="en" sz="3600"/>
-              <a:t>Test Plan</a:t>
-            </a:r>
-            <a:endParaRPr sz="3600"/>
+              <a:rPr lang="en" sz="3000"/>
+              <a:t>Product Listing </a:t>
+            </a:r>
+            <a:endParaRPr sz="3000"/>
           </a:p>
         </p:txBody>
       </p:sp>
       <p:sp>
         <p:nvSpPr>
           <p:cNvPr id="244" name="Google Shape;244;p19"/>
-          <p:cNvSpPr txBox="1"/>
-          <p:nvPr>
-            <p:ph idx="1" type="body"/>
-          </p:nvPr>
-        </p:nvSpPr>
-        <p:spPr>
-          <a:xfrm>
-            <a:off x="2158725" y="1525750"/>
-            <a:ext cx="6052800" cy="2786100"/>
-          </a:xfrm>
-          <a:prstGeom prst="rect">
-            <a:avLst/>
-          </a:prstGeom>
-        </p:spPr>
-        <p:txBody>
-          <a:bodyPr anchorCtr="0" anchor="t" bIns="91425" lIns="91425" spcFirstLastPara="1" rIns="91425" wrap="square" tIns="91425">
-            <a:noAutofit/>
-          </a:bodyPr>
-          <a:lstStyle/>
-          <a:p>
-            <a:pPr indent="-342900" lvl="0" marL="457200" rtl="0" algn="l">
-              <a:spcBef>
-                <a:spcPts val="600"/>
-              </a:spcBef>
-              <a:spcAft>
-                <a:spcPts val="0"/>
-              </a:spcAft>
-              <a:buSzPts val="1800"/>
-              <a:buChar char="●"/>
-            </a:pPr>
-            <a:r>
-              <a:rPr lang="en" sz="1800"/>
-              <a:t>Cart: Should display # products in cart and info</a:t>
-            </a:r>
-            <a:endParaRPr sz="1800"/>
-          </a:p>
-          <a:p>
-            <a:pPr indent="-342900" lvl="0" marL="457200" rtl="0" algn="l">
-              <a:spcBef>
-                <a:spcPts val="0"/>
-              </a:spcBef>
-              <a:spcAft>
-                <a:spcPts val="0"/>
-              </a:spcAft>
-              <a:buSzPts val="1800"/>
-              <a:buChar char="●"/>
-            </a:pPr>
-            <a:r>
-              <a:rPr lang="en" sz="1800"/>
-              <a:t>Men/Women’s: Should filter items based on gender</a:t>
-            </a:r>
-            <a:endParaRPr sz="1800"/>
-          </a:p>
-          <a:p>
-            <a:pPr indent="-342900" lvl="0" marL="457200" rtl="0" algn="l">
-              <a:spcBef>
-                <a:spcPts val="0"/>
-              </a:spcBef>
-              <a:spcAft>
-                <a:spcPts val="0"/>
-              </a:spcAft>
-              <a:buSzPts val="1800"/>
-              <a:buChar char="●"/>
-            </a:pPr>
-            <a:r>
-              <a:rPr lang="en" sz="1800"/>
-              <a:t>Best Sellers: Should be displayed on home page with trending </a:t>
-            </a:r>
-            <a:r>
-              <a:rPr lang="en" sz="1800"/>
-              <a:t>products</a:t>
-            </a:r>
-            <a:endParaRPr sz="1800"/>
-          </a:p>
-          <a:p>
-            <a:pPr indent="-342900" lvl="0" marL="457200" rtl="0" algn="l">
-              <a:spcBef>
-                <a:spcPts val="0"/>
-              </a:spcBef>
-              <a:spcAft>
-                <a:spcPts val="0"/>
-              </a:spcAft>
-              <a:buSzPts val="1800"/>
-              <a:buChar char="●"/>
-            </a:pPr>
-            <a:r>
-              <a:rPr lang="en" sz="1800"/>
-              <a:t>Checkout/Payment: Users should be able to complete their purchase</a:t>
-            </a:r>
-            <a:endParaRPr sz="1800"/>
-          </a:p>
-          <a:p>
-            <a:pPr indent="-342900" lvl="0" marL="457200" rtl="0" algn="l">
-              <a:spcBef>
-                <a:spcPts val="0"/>
-              </a:spcBef>
-              <a:spcAft>
-                <a:spcPts val="0"/>
-              </a:spcAft>
-              <a:buSzPts val="1800"/>
-              <a:buChar char="●"/>
-            </a:pPr>
-            <a:r>
-              <a:rPr lang="en" sz="1800"/>
-              <a:t>Order Summary: Should display order number and details</a:t>
-            </a:r>
-            <a:endParaRPr sz="1800"/>
-          </a:p>
-        </p:txBody>
-      </p:sp>
-      <p:sp>
-        <p:nvSpPr>
-          <p:cNvPr id="245" name="Google Shape;245;p19"/>
           <p:cNvSpPr txBox="1"/>
           <p:nvPr>
             <p:ph idx="12" type="sldNum"/>
@@ -15835,6 +17524,34 @@
           </a:p>
         </p:txBody>
       </p:sp>
+      <p:pic>
+        <p:nvPicPr>
+          <p:cNvPr id="245" name="Google Shape;245;p19"/>
+          <p:cNvPicPr preferRelativeResize="0"/>
+          <p:nvPr/>
+        </p:nvPicPr>
+        <p:blipFill>
+          <a:blip r:embed="rId3">
+            <a:alphaModFix/>
+          </a:blip>
+          <a:stretch>
+            <a:fillRect/>
+          </a:stretch>
+        </p:blipFill>
+        <p:spPr>
+          <a:xfrm>
+            <a:off x="2899925" y="1275175"/>
+            <a:ext cx="5067100" cy="3717050"/>
+          </a:xfrm>
+          <a:prstGeom prst="rect">
+            <a:avLst/>
+          </a:prstGeom>
+          <a:noFill/>
+          <a:ln>
+            <a:noFill/>
+          </a:ln>
+        </p:spPr>
+      </p:pic>
     </p:spTree>
   </p:cSld>
   <p:clrMapOvr>
@@ -15870,7 +17587,7 @@
         </p:nvSpPr>
         <p:spPr>
           <a:xfrm>
-            <a:off x="2935875" y="909050"/>
+            <a:off x="2935875" y="639275"/>
             <a:ext cx="5275500" cy="641100"/>
           </a:xfrm>
           <a:prstGeom prst="rect">
@@ -15893,82 +17610,15 @@
               <a:buNone/>
             </a:pPr>
             <a:r>
-              <a:rPr lang="en" sz="3600"/>
-              <a:t>Test Plan</a:t>
-            </a:r>
-            <a:endParaRPr sz="3600"/>
+              <a:t/>
+            </a:r>
+            <a:endParaRPr/>
           </a:p>
         </p:txBody>
       </p:sp>
       <p:sp>
         <p:nvSpPr>
           <p:cNvPr id="251" name="Google Shape;251;p20"/>
-          <p:cNvSpPr txBox="1"/>
-          <p:nvPr>
-            <p:ph idx="1" type="body"/>
-          </p:nvPr>
-        </p:nvSpPr>
-        <p:spPr>
-          <a:xfrm>
-            <a:off x="2158725" y="1525750"/>
-            <a:ext cx="6052800" cy="2786100"/>
-          </a:xfrm>
-          <a:prstGeom prst="rect">
-            <a:avLst/>
-          </a:prstGeom>
-        </p:spPr>
-        <p:txBody>
-          <a:bodyPr anchorCtr="0" anchor="t" bIns="91425" lIns="91425" spcFirstLastPara="1" rIns="91425" wrap="square" tIns="91425">
-            <a:noAutofit/>
-          </a:bodyPr>
-          <a:lstStyle/>
-          <a:p>
-            <a:pPr indent="-342900" lvl="0" marL="457200" rtl="0" algn="l">
-              <a:spcBef>
-                <a:spcPts val="600"/>
-              </a:spcBef>
-              <a:spcAft>
-                <a:spcPts val="0"/>
-              </a:spcAft>
-              <a:buSzPts val="1800"/>
-              <a:buChar char="●"/>
-            </a:pPr>
-            <a:r>
-              <a:rPr lang="en" sz="1800"/>
-              <a:t>Seller page: should allow the seller to add items to the inventory, should display a form</a:t>
-            </a:r>
-            <a:endParaRPr sz="1800"/>
-          </a:p>
-          <a:p>
-            <a:pPr indent="-342900" lvl="0" marL="457200" rtl="0" algn="l">
-              <a:spcBef>
-                <a:spcPts val="0"/>
-              </a:spcBef>
-              <a:spcAft>
-                <a:spcPts val="0"/>
-              </a:spcAft>
-              <a:buSzPts val="1800"/>
-              <a:buChar char="●"/>
-            </a:pPr>
-            <a:r>
-              <a:rPr lang="en" sz="1800"/>
-              <a:t>User Authentication: Should allow users to login or </a:t>
-            </a:r>
-            <a:r>
-              <a:rPr lang="en" sz="1800"/>
-              <a:t>create</a:t>
-            </a:r>
-            <a:r>
-              <a:rPr lang="en" sz="1800"/>
-              <a:t> an account. Authenticates the users</a:t>
-            </a:r>
-            <a:endParaRPr sz="1800"/>
-          </a:p>
-        </p:txBody>
-      </p:sp>
-      <p:sp>
-        <p:nvSpPr>
-          <p:cNvPr id="252" name="Google Shape;252;p20"/>
           <p:cNvSpPr txBox="1"/>
           <p:nvPr>
             <p:ph idx="12" type="sldNum"/>
@@ -16006,6 +17656,34 @@
           </a:p>
         </p:txBody>
       </p:sp>
+      <p:pic>
+        <p:nvPicPr>
+          <p:cNvPr id="252" name="Google Shape;252;p20"/>
+          <p:cNvPicPr preferRelativeResize="0"/>
+          <p:nvPr/>
+        </p:nvPicPr>
+        <p:blipFill>
+          <a:blip r:embed="rId3">
+            <a:alphaModFix/>
+          </a:blip>
+          <a:stretch>
+            <a:fillRect/>
+          </a:stretch>
+        </p:blipFill>
+        <p:spPr>
+          <a:xfrm>
+            <a:off x="56150" y="96249"/>
+            <a:ext cx="8920202" cy="4995824"/>
+          </a:xfrm>
+          <a:prstGeom prst="rect">
+            <a:avLst/>
+          </a:prstGeom>
+          <a:noFill/>
+          <a:ln>
+            <a:noFill/>
+          </a:ln>
+        </p:spPr>
+      </p:pic>
     </p:spTree>
   </p:cSld>
   <p:clrMapOvr>
@@ -16034,140 +17712,6 @@
       <p:sp>
         <p:nvSpPr>
           <p:cNvPr id="257" name="Google Shape;257;p21"/>
-          <p:cNvSpPr/>
-          <p:nvPr/>
-        </p:nvSpPr>
-        <p:spPr>
-          <a:xfrm>
-            <a:off x="519424" y="1532250"/>
-            <a:ext cx="1948500" cy="1917300"/>
-          </a:xfrm>
-          <a:prstGeom prst="ellipse">
-            <a:avLst/>
-          </a:prstGeom>
-          <a:solidFill>
-            <a:srgbClr val="F8BB00">
-              <a:alpha val="86670"/>
-            </a:srgbClr>
-          </a:solidFill>
-          <a:ln>
-            <a:noFill/>
-          </a:ln>
-        </p:spPr>
-        <p:txBody>
-          <a:bodyPr anchorCtr="0" anchor="ctr" bIns="91425" lIns="91425" spcFirstLastPara="1" rIns="91425" wrap="square" tIns="91425">
-            <a:noAutofit/>
-          </a:bodyPr>
-          <a:lstStyle/>
-          <a:p>
-            <a:pPr indent="0" lvl="0" marL="0" rtl="0" algn="ctr">
-              <a:spcBef>
-                <a:spcPts val="0"/>
-              </a:spcBef>
-              <a:spcAft>
-                <a:spcPts val="0"/>
-              </a:spcAft>
-              <a:buNone/>
-            </a:pPr>
-            <a:r>
-              <a:rPr b="1" lang="en">
-                <a:solidFill>
-                  <a:srgbClr val="FFFFFF"/>
-                </a:solidFill>
-                <a:latin typeface="Varela Round"/>
-                <a:ea typeface="Varela Round"/>
-                <a:cs typeface="Varela Round"/>
-                <a:sym typeface="Varela Round"/>
-              </a:rPr>
-              <a:t>M1</a:t>
-            </a:r>
-            <a:endParaRPr b="1">
-              <a:solidFill>
-                <a:srgbClr val="FFFFFF"/>
-              </a:solidFill>
-              <a:latin typeface="Varela Round"/>
-              <a:ea typeface="Varela Round"/>
-              <a:cs typeface="Varela Round"/>
-              <a:sym typeface="Varela Round"/>
-            </a:endParaRPr>
-          </a:p>
-          <a:p>
-            <a:pPr indent="0" lvl="0" marL="0" rtl="0" algn="ctr">
-              <a:spcBef>
-                <a:spcPts val="0"/>
-              </a:spcBef>
-              <a:spcAft>
-                <a:spcPts val="0"/>
-              </a:spcAft>
-              <a:buNone/>
-            </a:pPr>
-            <a:r>
-              <a:rPr b="1" lang="en">
-                <a:solidFill>
-                  <a:srgbClr val="FFFFFF"/>
-                </a:solidFill>
-                <a:latin typeface="Varela Round"/>
-                <a:ea typeface="Varela Round"/>
-                <a:cs typeface="Varela Round"/>
-                <a:sym typeface="Varela Round"/>
-              </a:rPr>
-              <a:t>Seller Page</a:t>
-            </a:r>
-            <a:endParaRPr b="1">
-              <a:solidFill>
-                <a:srgbClr val="FFFFFF"/>
-              </a:solidFill>
-              <a:latin typeface="Varela Round"/>
-              <a:ea typeface="Varela Round"/>
-              <a:cs typeface="Varela Round"/>
-              <a:sym typeface="Varela Round"/>
-            </a:endParaRPr>
-          </a:p>
-        </p:txBody>
-      </p:sp>
-      <p:sp>
-        <p:nvSpPr>
-          <p:cNvPr id="258" name="Google Shape;258;p21"/>
-          <p:cNvSpPr txBox="1"/>
-          <p:nvPr>
-            <p:ph idx="4294967295" type="title"/>
-          </p:nvPr>
-        </p:nvSpPr>
-        <p:spPr>
-          <a:xfrm>
-            <a:off x="1934250" y="154550"/>
-            <a:ext cx="5275500" cy="641100"/>
-          </a:xfrm>
-          <a:prstGeom prst="rect">
-            <a:avLst/>
-          </a:prstGeom>
-        </p:spPr>
-        <p:txBody>
-          <a:bodyPr anchorCtr="0" anchor="b" bIns="91425" lIns="91425" spcFirstLastPara="1" rIns="91425" wrap="square" tIns="91425">
-            <a:noAutofit/>
-          </a:bodyPr>
-          <a:lstStyle/>
-          <a:p>
-            <a:pPr indent="0" lvl="0" marL="0" rtl="0" algn="ctr">
-              <a:spcBef>
-                <a:spcPts val="0"/>
-              </a:spcBef>
-              <a:spcAft>
-                <a:spcPts val="0"/>
-              </a:spcAft>
-              <a:buNone/>
-            </a:pPr>
-            <a:r>
-              <a:rPr lang="en"/>
-              <a:t>Milestones</a:t>
-            </a:r>
-            <a:endParaRPr/>
-          </a:p>
-        </p:txBody>
-      </p:sp>
-      <p:sp>
-        <p:nvSpPr>
-          <p:cNvPr id="259" name="Google Shape;259;p21"/>
           <p:cNvSpPr txBox="1"/>
           <p:nvPr>
             <p:ph idx="12" type="sldNum"/>
@@ -16175,7 +17719,7 @@
         </p:nvSpPr>
         <p:spPr>
           <a:xfrm>
-            <a:off x="4337100" y="4751625"/>
+            <a:off x="8635625" y="4751625"/>
             <a:ext cx="469800" cy="391500"/>
           </a:xfrm>
           <a:prstGeom prst="rect">
@@ -16188,7 +17732,7 @@
           </a:bodyPr>
           <a:lstStyle/>
           <a:p>
-            <a:pPr indent="0" lvl="0" marL="0" rtl="0" algn="ctr">
+            <a:pPr indent="0" lvl="0" marL="0" rtl="0" algn="r">
               <a:spcBef>
                 <a:spcPts val="0"/>
               </a:spcBef>
@@ -16205,446 +17749,34 @@
           </a:p>
         </p:txBody>
       </p:sp>
-      <p:sp>
-        <p:nvSpPr>
-          <p:cNvPr id="260" name="Google Shape;260;p21"/>
-          <p:cNvSpPr/>
+      <p:pic>
+        <p:nvPicPr>
+          <p:cNvPr id="258" name="Google Shape;258;p21"/>
+          <p:cNvPicPr preferRelativeResize="0"/>
           <p:nvPr/>
-        </p:nvSpPr>
-        <p:spPr>
-          <a:xfrm>
-            <a:off x="2048349" y="1532250"/>
-            <a:ext cx="1948500" cy="1917300"/>
-          </a:xfrm>
-          <a:prstGeom prst="ellipse">
-            <a:avLst/>
-          </a:prstGeom>
-          <a:solidFill>
-            <a:srgbClr val="BBCD00">
-              <a:alpha val="86670"/>
-            </a:srgbClr>
-          </a:solidFill>
+        </p:nvPicPr>
+        <p:blipFill>
+          <a:blip r:embed="rId3">
+            <a:alphaModFix/>
+          </a:blip>
+          <a:stretch>
+            <a:fillRect/>
+          </a:stretch>
+        </p:blipFill>
+        <p:spPr>
+          <a:xfrm>
+            <a:off x="149961" y="117828"/>
+            <a:ext cx="8826399" cy="4870051"/>
+          </a:xfrm>
+          <a:prstGeom prst="rect">
+            <a:avLst/>
+          </a:prstGeom>
+          <a:noFill/>
           <a:ln>
             <a:noFill/>
           </a:ln>
         </p:spPr>
-        <p:txBody>
-          <a:bodyPr anchorCtr="0" anchor="ctr" bIns="91425" lIns="91425" spcFirstLastPara="1" rIns="91425" wrap="square" tIns="91425">
-            <a:noAutofit/>
-          </a:bodyPr>
-          <a:lstStyle/>
-          <a:p>
-            <a:pPr indent="0" lvl="0" marL="0" rtl="0" algn="ctr">
-              <a:spcBef>
-                <a:spcPts val="0"/>
-              </a:spcBef>
-              <a:spcAft>
-                <a:spcPts val="0"/>
-              </a:spcAft>
-              <a:buNone/>
-            </a:pPr>
-            <a:r>
-              <a:rPr b="1" lang="en">
-                <a:solidFill>
-                  <a:srgbClr val="FFFFFF"/>
-                </a:solidFill>
-                <a:latin typeface="Varela Round"/>
-                <a:ea typeface="Varela Round"/>
-                <a:cs typeface="Varela Round"/>
-                <a:sym typeface="Varela Round"/>
-              </a:rPr>
-              <a:t>M2</a:t>
-            </a:r>
-            <a:endParaRPr b="1">
-              <a:solidFill>
-                <a:srgbClr val="FFFFFF"/>
-              </a:solidFill>
-              <a:latin typeface="Varela Round"/>
-              <a:ea typeface="Varela Round"/>
-              <a:cs typeface="Varela Round"/>
-              <a:sym typeface="Varela Round"/>
-            </a:endParaRPr>
-          </a:p>
-          <a:p>
-            <a:pPr indent="0" lvl="0" marL="0" rtl="0" algn="ctr">
-              <a:spcBef>
-                <a:spcPts val="0"/>
-              </a:spcBef>
-              <a:spcAft>
-                <a:spcPts val="0"/>
-              </a:spcAft>
-              <a:buNone/>
-            </a:pPr>
-            <a:r>
-              <a:rPr b="1" lang="en">
-                <a:solidFill>
-                  <a:srgbClr val="FFFFFF"/>
-                </a:solidFill>
-                <a:latin typeface="Varela Round"/>
-                <a:ea typeface="Varela Round"/>
-                <a:cs typeface="Varela Round"/>
-                <a:sym typeface="Varela Round"/>
-              </a:rPr>
-              <a:t>Shopping Cart</a:t>
-            </a:r>
-            <a:endParaRPr b="1">
-              <a:solidFill>
-                <a:srgbClr val="FFFFFF"/>
-              </a:solidFill>
-              <a:latin typeface="Varela Round"/>
-              <a:ea typeface="Varela Round"/>
-              <a:cs typeface="Varela Round"/>
-              <a:sym typeface="Varela Round"/>
-            </a:endParaRPr>
-          </a:p>
-        </p:txBody>
-      </p:sp>
-      <p:sp>
-        <p:nvSpPr>
-          <p:cNvPr id="261" name="Google Shape;261;p21"/>
-          <p:cNvSpPr/>
-          <p:nvPr/>
-        </p:nvSpPr>
-        <p:spPr>
-          <a:xfrm>
-            <a:off x="3659199" y="1463425"/>
-            <a:ext cx="1948500" cy="1917300"/>
-          </a:xfrm>
-          <a:prstGeom prst="ellipse">
-            <a:avLst/>
-          </a:prstGeom>
-          <a:solidFill>
-            <a:srgbClr val="ED4A00">
-              <a:alpha val="86670"/>
-            </a:srgbClr>
-          </a:solidFill>
-          <a:ln>
-            <a:noFill/>
-          </a:ln>
-        </p:spPr>
-        <p:txBody>
-          <a:bodyPr anchorCtr="0" anchor="ctr" bIns="91425" lIns="91425" spcFirstLastPara="1" rIns="91425" wrap="square" tIns="91425">
-            <a:noAutofit/>
-          </a:bodyPr>
-          <a:lstStyle/>
-          <a:p>
-            <a:pPr indent="0" lvl="0" marL="0" rtl="0" algn="ctr">
-              <a:spcBef>
-                <a:spcPts val="0"/>
-              </a:spcBef>
-              <a:spcAft>
-                <a:spcPts val="0"/>
-              </a:spcAft>
-              <a:buNone/>
-            </a:pPr>
-            <a:r>
-              <a:rPr b="1" lang="en">
-                <a:solidFill>
-                  <a:srgbClr val="FFFFFF"/>
-                </a:solidFill>
-                <a:latin typeface="Varela Round"/>
-                <a:ea typeface="Varela Round"/>
-                <a:cs typeface="Varela Round"/>
-                <a:sym typeface="Varela Round"/>
-              </a:rPr>
-              <a:t>M3</a:t>
-            </a:r>
-            <a:endParaRPr b="1">
-              <a:solidFill>
-                <a:srgbClr val="FFFFFF"/>
-              </a:solidFill>
-              <a:latin typeface="Varela Round"/>
-              <a:ea typeface="Varela Round"/>
-              <a:cs typeface="Varela Round"/>
-              <a:sym typeface="Varela Round"/>
-            </a:endParaRPr>
-          </a:p>
-          <a:p>
-            <a:pPr indent="0" lvl="0" marL="0" rtl="0" algn="ctr">
-              <a:spcBef>
-                <a:spcPts val="0"/>
-              </a:spcBef>
-              <a:spcAft>
-                <a:spcPts val="0"/>
-              </a:spcAft>
-              <a:buNone/>
-            </a:pPr>
-            <a:r>
-              <a:rPr b="1" lang="en">
-                <a:solidFill>
-                  <a:srgbClr val="FFFFFF"/>
-                </a:solidFill>
-                <a:latin typeface="Varela Round"/>
-                <a:ea typeface="Varela Round"/>
-                <a:cs typeface="Varela Round"/>
-                <a:sym typeface="Varela Round"/>
-              </a:rPr>
-              <a:t>Men/Women</a:t>
-            </a:r>
-            <a:endParaRPr b="1">
-              <a:solidFill>
-                <a:srgbClr val="FFFFFF"/>
-              </a:solidFill>
-              <a:latin typeface="Varela Round"/>
-              <a:ea typeface="Varela Round"/>
-              <a:cs typeface="Varela Round"/>
-              <a:sym typeface="Varela Round"/>
-            </a:endParaRPr>
-          </a:p>
-          <a:p>
-            <a:pPr indent="0" lvl="0" marL="0" rtl="0" algn="ctr">
-              <a:spcBef>
-                <a:spcPts val="0"/>
-              </a:spcBef>
-              <a:spcAft>
-                <a:spcPts val="0"/>
-              </a:spcAft>
-              <a:buNone/>
-            </a:pPr>
-            <a:r>
-              <a:rPr b="1" lang="en">
-                <a:solidFill>
-                  <a:srgbClr val="FFFFFF"/>
-                </a:solidFill>
-                <a:latin typeface="Varela Round"/>
-                <a:ea typeface="Varela Round"/>
-                <a:cs typeface="Varela Round"/>
-                <a:sym typeface="Varela Round"/>
-              </a:rPr>
-              <a:t>Best Sellers</a:t>
-            </a:r>
-            <a:endParaRPr b="1">
-              <a:solidFill>
-                <a:srgbClr val="FFFFFF"/>
-              </a:solidFill>
-              <a:latin typeface="Varela Round"/>
-              <a:ea typeface="Varela Round"/>
-              <a:cs typeface="Varela Round"/>
-              <a:sym typeface="Varela Round"/>
-            </a:endParaRPr>
-          </a:p>
-        </p:txBody>
-      </p:sp>
-      <p:sp>
-        <p:nvSpPr>
-          <p:cNvPr id="262" name="Google Shape;262;p21"/>
-          <p:cNvSpPr/>
-          <p:nvPr/>
-        </p:nvSpPr>
-        <p:spPr>
-          <a:xfrm>
-            <a:off x="5188124" y="1532250"/>
-            <a:ext cx="1948500" cy="1917300"/>
-          </a:xfrm>
-          <a:prstGeom prst="ellipse">
-            <a:avLst/>
-          </a:prstGeom>
-          <a:solidFill>
-            <a:srgbClr val="00D1C6">
-              <a:alpha val="86920"/>
-            </a:srgbClr>
-          </a:solidFill>
-          <a:ln>
-            <a:noFill/>
-          </a:ln>
-        </p:spPr>
-        <p:txBody>
-          <a:bodyPr anchorCtr="0" anchor="ctr" bIns="91425" lIns="91425" spcFirstLastPara="1" rIns="91425" wrap="square" tIns="91425">
-            <a:noAutofit/>
-          </a:bodyPr>
-          <a:lstStyle/>
-          <a:p>
-            <a:pPr indent="0" lvl="0" marL="0" rtl="0" algn="ctr">
-              <a:spcBef>
-                <a:spcPts val="0"/>
-              </a:spcBef>
-              <a:spcAft>
-                <a:spcPts val="0"/>
-              </a:spcAft>
-              <a:buNone/>
-            </a:pPr>
-            <a:r>
-              <a:rPr b="1" lang="en">
-                <a:solidFill>
-                  <a:srgbClr val="FFFFFF"/>
-                </a:solidFill>
-                <a:latin typeface="Varela Round"/>
-                <a:ea typeface="Varela Round"/>
-                <a:cs typeface="Varela Round"/>
-                <a:sym typeface="Varela Round"/>
-              </a:rPr>
-              <a:t>M4</a:t>
-            </a:r>
-            <a:endParaRPr b="1">
-              <a:solidFill>
-                <a:srgbClr val="FFFFFF"/>
-              </a:solidFill>
-              <a:latin typeface="Varela Round"/>
-              <a:ea typeface="Varela Round"/>
-              <a:cs typeface="Varela Round"/>
-              <a:sym typeface="Varela Round"/>
-            </a:endParaRPr>
-          </a:p>
-          <a:p>
-            <a:pPr indent="0" lvl="0" marL="0" rtl="0" algn="ctr">
-              <a:spcBef>
-                <a:spcPts val="0"/>
-              </a:spcBef>
-              <a:spcAft>
-                <a:spcPts val="0"/>
-              </a:spcAft>
-              <a:buNone/>
-            </a:pPr>
-            <a:r>
-              <a:rPr b="1" lang="en">
-                <a:solidFill>
-                  <a:srgbClr val="FFFFFF"/>
-                </a:solidFill>
-                <a:latin typeface="Varela Round"/>
-                <a:ea typeface="Varela Round"/>
-                <a:cs typeface="Varela Round"/>
-                <a:sym typeface="Varela Round"/>
-              </a:rPr>
-              <a:t>User Auth</a:t>
-            </a:r>
-            <a:endParaRPr b="1">
-              <a:solidFill>
-                <a:srgbClr val="FFFFFF"/>
-              </a:solidFill>
-              <a:latin typeface="Varela Round"/>
-              <a:ea typeface="Varela Round"/>
-              <a:cs typeface="Varela Round"/>
-              <a:sym typeface="Varela Round"/>
-            </a:endParaRPr>
-          </a:p>
-          <a:p>
-            <a:pPr indent="0" lvl="0" marL="0" rtl="0" algn="ctr">
-              <a:spcBef>
-                <a:spcPts val="0"/>
-              </a:spcBef>
-              <a:spcAft>
-                <a:spcPts val="0"/>
-              </a:spcAft>
-              <a:buNone/>
-            </a:pPr>
-            <a:r>
-              <a:rPr b="1" lang="en">
-                <a:solidFill>
-                  <a:srgbClr val="FFFFFF"/>
-                </a:solidFill>
-                <a:latin typeface="Varela Round"/>
-                <a:ea typeface="Varela Round"/>
-                <a:cs typeface="Varela Round"/>
-                <a:sym typeface="Varela Round"/>
-              </a:rPr>
-              <a:t>Order Summary</a:t>
-            </a:r>
-            <a:endParaRPr b="1">
-              <a:solidFill>
-                <a:srgbClr val="FFFFFF"/>
-              </a:solidFill>
-              <a:latin typeface="Varela Round"/>
-              <a:ea typeface="Varela Round"/>
-              <a:cs typeface="Varela Round"/>
-              <a:sym typeface="Varela Round"/>
-            </a:endParaRPr>
-          </a:p>
-        </p:txBody>
-      </p:sp>
-      <p:sp>
-        <p:nvSpPr>
-          <p:cNvPr id="263" name="Google Shape;263;p21"/>
-          <p:cNvSpPr/>
-          <p:nvPr/>
-        </p:nvSpPr>
-        <p:spPr>
-          <a:xfrm>
-            <a:off x="6676074" y="1532250"/>
-            <a:ext cx="1948500" cy="1917300"/>
-          </a:xfrm>
-          <a:prstGeom prst="ellipse">
-            <a:avLst/>
-          </a:prstGeom>
-          <a:solidFill>
-            <a:srgbClr val="E8004C">
-              <a:alpha val="86670"/>
-            </a:srgbClr>
-          </a:solidFill>
-          <a:ln>
-            <a:noFill/>
-          </a:ln>
-        </p:spPr>
-        <p:txBody>
-          <a:bodyPr anchorCtr="0" anchor="ctr" bIns="91425" lIns="91425" spcFirstLastPara="1" rIns="91425" wrap="square" tIns="91425">
-            <a:noAutofit/>
-          </a:bodyPr>
-          <a:lstStyle/>
-          <a:p>
-            <a:pPr indent="0" lvl="0" marL="0" rtl="0" algn="ctr">
-              <a:spcBef>
-                <a:spcPts val="0"/>
-              </a:spcBef>
-              <a:spcAft>
-                <a:spcPts val="0"/>
-              </a:spcAft>
-              <a:buNone/>
-            </a:pPr>
-            <a:r>
-              <a:rPr b="1" lang="en">
-                <a:solidFill>
-                  <a:srgbClr val="FFFFFF"/>
-                </a:solidFill>
-                <a:latin typeface="Varela Round"/>
-                <a:ea typeface="Varela Round"/>
-                <a:cs typeface="Varela Round"/>
-                <a:sym typeface="Varela Round"/>
-              </a:rPr>
-              <a:t>M5</a:t>
-            </a:r>
-            <a:endParaRPr b="1">
-              <a:solidFill>
-                <a:srgbClr val="FFFFFF"/>
-              </a:solidFill>
-              <a:latin typeface="Varela Round"/>
-              <a:ea typeface="Varela Round"/>
-              <a:cs typeface="Varela Round"/>
-              <a:sym typeface="Varela Round"/>
-            </a:endParaRPr>
-          </a:p>
-          <a:p>
-            <a:pPr indent="0" lvl="0" marL="0" rtl="0" algn="ctr">
-              <a:spcBef>
-                <a:spcPts val="0"/>
-              </a:spcBef>
-              <a:spcAft>
-                <a:spcPts val="0"/>
-              </a:spcAft>
-              <a:buNone/>
-            </a:pPr>
-            <a:r>
-              <a:rPr b="1" lang="en">
-                <a:solidFill>
-                  <a:srgbClr val="FFFFFF"/>
-                </a:solidFill>
-                <a:latin typeface="Varela Round"/>
-                <a:ea typeface="Varela Round"/>
-                <a:cs typeface="Varela Round"/>
-                <a:sym typeface="Varela Round"/>
-              </a:rPr>
-              <a:t>Checkout/Payment</a:t>
-            </a:r>
-            <a:endParaRPr b="1">
-              <a:solidFill>
-                <a:srgbClr val="FFFFFF"/>
-              </a:solidFill>
-              <a:latin typeface="Varela Round"/>
-              <a:ea typeface="Varela Round"/>
-              <a:cs typeface="Varela Round"/>
-              <a:sym typeface="Varela Round"/>
-            </a:endParaRPr>
-          </a:p>
-        </p:txBody>
-      </p:sp>
+      </p:pic>
     </p:spTree>
   </p:cSld>
   <p:clrMapOvr>
